--- a/Slides/Baseball 2/Baseball_2_Lecture.pptx
+++ b/Slides/Baseball 2/Baseball_2_Lecture.pptx
@@ -208,7 +208,7 @@
           <a:p>
             <a:fld id="{C04E5E84-956F-4423-97B3-5936A6D8EEEE}" type="datetimeFigureOut">
               <a:rPr lang="en-US" smtClean="0"/>
-              <a:t>9/10/2019</a:t>
+              <a:t>1/31/2021</a:t>
             </a:fld>
             <a:endParaRPr lang="en-US"/>
           </a:p>
@@ -706,7 +706,7 @@
           <a:p>
             <a:fld id="{3881C039-66A3-4640-815B-3B5A8B7D868D}" type="datetimeFigureOut">
               <a:rPr lang="en-US" smtClean="0"/>
-              <a:t>9/10/2019</a:t>
+              <a:t>1/31/2021</a:t>
             </a:fld>
             <a:endParaRPr lang="en-US"/>
           </a:p>
@@ -904,7 +904,7 @@
           <a:p>
             <a:fld id="{3881C039-66A3-4640-815B-3B5A8B7D868D}" type="datetimeFigureOut">
               <a:rPr lang="en-US" smtClean="0"/>
-              <a:t>9/10/2019</a:t>
+              <a:t>1/31/2021</a:t>
             </a:fld>
             <a:endParaRPr lang="en-US"/>
           </a:p>
@@ -1112,7 +1112,7 @@
           <a:p>
             <a:fld id="{3881C039-66A3-4640-815B-3B5A8B7D868D}" type="datetimeFigureOut">
               <a:rPr lang="en-US" smtClean="0"/>
-              <a:t>9/10/2019</a:t>
+              <a:t>1/31/2021</a:t>
             </a:fld>
             <a:endParaRPr lang="en-US"/>
           </a:p>
@@ -1310,7 +1310,7 @@
           <a:p>
             <a:fld id="{3881C039-66A3-4640-815B-3B5A8B7D868D}" type="datetimeFigureOut">
               <a:rPr lang="en-US" smtClean="0"/>
-              <a:t>9/10/2019</a:t>
+              <a:t>1/31/2021</a:t>
             </a:fld>
             <a:endParaRPr lang="en-US"/>
           </a:p>
@@ -1585,7 +1585,7 @@
           <a:p>
             <a:fld id="{3881C039-66A3-4640-815B-3B5A8B7D868D}" type="datetimeFigureOut">
               <a:rPr lang="en-US" smtClean="0"/>
-              <a:t>9/10/2019</a:t>
+              <a:t>1/31/2021</a:t>
             </a:fld>
             <a:endParaRPr lang="en-US"/>
           </a:p>
@@ -1850,7 +1850,7 @@
           <a:p>
             <a:fld id="{3881C039-66A3-4640-815B-3B5A8B7D868D}" type="datetimeFigureOut">
               <a:rPr lang="en-US" smtClean="0"/>
-              <a:t>9/10/2019</a:t>
+              <a:t>1/31/2021</a:t>
             </a:fld>
             <a:endParaRPr lang="en-US"/>
           </a:p>
@@ -2262,7 +2262,7 @@
           <a:p>
             <a:fld id="{3881C039-66A3-4640-815B-3B5A8B7D868D}" type="datetimeFigureOut">
               <a:rPr lang="en-US" smtClean="0"/>
-              <a:t>9/10/2019</a:t>
+              <a:t>1/31/2021</a:t>
             </a:fld>
             <a:endParaRPr lang="en-US"/>
           </a:p>
@@ -2403,7 +2403,7 @@
           <a:p>
             <a:fld id="{3881C039-66A3-4640-815B-3B5A8B7D868D}" type="datetimeFigureOut">
               <a:rPr lang="en-US" smtClean="0"/>
-              <a:t>9/10/2019</a:t>
+              <a:t>1/31/2021</a:t>
             </a:fld>
             <a:endParaRPr lang="en-US"/>
           </a:p>
@@ -2516,7 +2516,7 @@
           <a:p>
             <a:fld id="{3881C039-66A3-4640-815B-3B5A8B7D868D}" type="datetimeFigureOut">
               <a:rPr lang="en-US" smtClean="0"/>
-              <a:t>9/10/2019</a:t>
+              <a:t>1/31/2021</a:t>
             </a:fld>
             <a:endParaRPr lang="en-US"/>
           </a:p>
@@ -2827,7 +2827,7 @@
           <a:p>
             <a:fld id="{3881C039-66A3-4640-815B-3B5A8B7D868D}" type="datetimeFigureOut">
               <a:rPr lang="en-US" smtClean="0"/>
-              <a:t>9/10/2019</a:t>
+              <a:t>1/31/2021</a:t>
             </a:fld>
             <a:endParaRPr lang="en-US"/>
           </a:p>
@@ -3115,7 +3115,7 @@
           <a:p>
             <a:fld id="{3881C039-66A3-4640-815B-3B5A8B7D868D}" type="datetimeFigureOut">
               <a:rPr lang="en-US" smtClean="0"/>
-              <a:t>9/10/2019</a:t>
+              <a:t>1/31/2021</a:t>
             </a:fld>
             <a:endParaRPr lang="en-US"/>
           </a:p>
@@ -3359,7 +3359,7 @@
           <a:p>
             <a:fld id="{3881C039-66A3-4640-815B-3B5A8B7D868D}" type="datetimeFigureOut">
               <a:rPr lang="en-US" smtClean="0"/>
-              <a:t>9/10/2019</a:t>
+              <a:t>1/31/2021</a:t>
             </a:fld>
             <a:endParaRPr lang="en-US"/>
           </a:p>
@@ -3908,8 +3908,23 @@
                 </a:solidFill>
                 <a:latin typeface="Selawik Semibold" panose="020B0702040204020203" pitchFamily="34" charset="0"/>
               </a:rPr>
-              <a:t>Produced by Dr. Mario | UNC STOR 390</a:t>
+              <a:t>Produced by Dr. Mario | UNC </a:t>
             </a:r>
+            <a:r>
+              <a:rPr lang="en-US">
+                <a:solidFill>
+                  <a:schemeClr val="bg1"/>
+                </a:solidFill>
+                <a:latin typeface="Selawik Semibold" panose="020B0702040204020203" pitchFamily="34" charset="0"/>
+              </a:rPr>
+              <a:t>STOR 538</a:t>
+            </a:r>
+            <a:endParaRPr lang="en-US" dirty="0">
+              <a:solidFill>
+                <a:schemeClr val="bg1"/>
+              </a:solidFill>
+              <a:latin typeface="Selawik Semibold" panose="020B0702040204020203" pitchFamily="34" charset="0"/>
+            </a:endParaRPr>
           </a:p>
         </p:txBody>
       </p:sp>

--- a/Slides/Baseball 2/Baseball_2_Lecture.pptx
+++ b/Slides/Baseball 2/Baseball_2_Lecture.pptx
@@ -208,7 +208,7 @@
           <a:p>
             <a:fld id="{C04E5E84-956F-4423-97B3-5936A6D8EEEE}" type="datetimeFigureOut">
               <a:rPr lang="en-US" smtClean="0"/>
-              <a:t>1/31/2021</a:t>
+              <a:t>1/22/2023</a:t>
             </a:fld>
             <a:endParaRPr lang="en-US"/>
           </a:p>
@@ -706,7 +706,7 @@
           <a:p>
             <a:fld id="{3881C039-66A3-4640-815B-3B5A8B7D868D}" type="datetimeFigureOut">
               <a:rPr lang="en-US" smtClean="0"/>
-              <a:t>1/31/2021</a:t>
+              <a:t>1/22/2023</a:t>
             </a:fld>
             <a:endParaRPr lang="en-US"/>
           </a:p>
@@ -904,7 +904,7 @@
           <a:p>
             <a:fld id="{3881C039-66A3-4640-815B-3B5A8B7D868D}" type="datetimeFigureOut">
               <a:rPr lang="en-US" smtClean="0"/>
-              <a:t>1/31/2021</a:t>
+              <a:t>1/22/2023</a:t>
             </a:fld>
             <a:endParaRPr lang="en-US"/>
           </a:p>
@@ -1112,7 +1112,7 @@
           <a:p>
             <a:fld id="{3881C039-66A3-4640-815B-3B5A8B7D868D}" type="datetimeFigureOut">
               <a:rPr lang="en-US" smtClean="0"/>
-              <a:t>1/31/2021</a:t>
+              <a:t>1/22/2023</a:t>
             </a:fld>
             <a:endParaRPr lang="en-US"/>
           </a:p>
@@ -1310,7 +1310,7 @@
           <a:p>
             <a:fld id="{3881C039-66A3-4640-815B-3B5A8B7D868D}" type="datetimeFigureOut">
               <a:rPr lang="en-US" smtClean="0"/>
-              <a:t>1/31/2021</a:t>
+              <a:t>1/22/2023</a:t>
             </a:fld>
             <a:endParaRPr lang="en-US"/>
           </a:p>
@@ -1585,7 +1585,7 @@
           <a:p>
             <a:fld id="{3881C039-66A3-4640-815B-3B5A8B7D868D}" type="datetimeFigureOut">
               <a:rPr lang="en-US" smtClean="0"/>
-              <a:t>1/31/2021</a:t>
+              <a:t>1/22/2023</a:t>
             </a:fld>
             <a:endParaRPr lang="en-US"/>
           </a:p>
@@ -1850,7 +1850,7 @@
           <a:p>
             <a:fld id="{3881C039-66A3-4640-815B-3B5A8B7D868D}" type="datetimeFigureOut">
               <a:rPr lang="en-US" smtClean="0"/>
-              <a:t>1/31/2021</a:t>
+              <a:t>1/22/2023</a:t>
             </a:fld>
             <a:endParaRPr lang="en-US"/>
           </a:p>
@@ -2262,7 +2262,7 @@
           <a:p>
             <a:fld id="{3881C039-66A3-4640-815B-3B5A8B7D868D}" type="datetimeFigureOut">
               <a:rPr lang="en-US" smtClean="0"/>
-              <a:t>1/31/2021</a:t>
+              <a:t>1/22/2023</a:t>
             </a:fld>
             <a:endParaRPr lang="en-US"/>
           </a:p>
@@ -2403,7 +2403,7 @@
           <a:p>
             <a:fld id="{3881C039-66A3-4640-815B-3B5A8B7D868D}" type="datetimeFigureOut">
               <a:rPr lang="en-US" smtClean="0"/>
-              <a:t>1/31/2021</a:t>
+              <a:t>1/22/2023</a:t>
             </a:fld>
             <a:endParaRPr lang="en-US"/>
           </a:p>
@@ -2516,7 +2516,7 @@
           <a:p>
             <a:fld id="{3881C039-66A3-4640-815B-3B5A8B7D868D}" type="datetimeFigureOut">
               <a:rPr lang="en-US" smtClean="0"/>
-              <a:t>1/31/2021</a:t>
+              <a:t>1/22/2023</a:t>
             </a:fld>
             <a:endParaRPr lang="en-US"/>
           </a:p>
@@ -2827,7 +2827,7 @@
           <a:p>
             <a:fld id="{3881C039-66A3-4640-815B-3B5A8B7D868D}" type="datetimeFigureOut">
               <a:rPr lang="en-US" smtClean="0"/>
-              <a:t>1/31/2021</a:t>
+              <a:t>1/22/2023</a:t>
             </a:fld>
             <a:endParaRPr lang="en-US"/>
           </a:p>
@@ -3115,7 +3115,7 @@
           <a:p>
             <a:fld id="{3881C039-66A3-4640-815B-3B5A8B7D868D}" type="datetimeFigureOut">
               <a:rPr lang="en-US" smtClean="0"/>
-              <a:t>1/31/2021</a:t>
+              <a:t>1/22/2023</a:t>
             </a:fld>
             <a:endParaRPr lang="en-US"/>
           </a:p>
@@ -3359,7 +3359,7 @@
           <a:p>
             <a:fld id="{3881C039-66A3-4640-815B-3B5A8B7D868D}" type="datetimeFigureOut">
               <a:rPr lang="en-US" smtClean="0"/>
-              <a:t>1/31/2021</a:t>
+              <a:t>1/22/2023</a:t>
             </a:fld>
             <a:endParaRPr lang="en-US"/>
           </a:p>
@@ -7508,8 +7508,8 @@
           </a:p>
         </p:txBody>
       </p:sp>
-      <mc:AlternateContent xmlns:mc="http://schemas.openxmlformats.org/markup-compatibility/2006" xmlns:a14="http://schemas.microsoft.com/office/drawing/2010/main">
-        <mc:Choice Requires="a14">
+      <mc:AlternateContent xmlns:mc="http://schemas.openxmlformats.org/markup-compatibility/2006">
+        <mc:Choice xmlns:a14="http://schemas.microsoft.com/office/drawing/2010/main" Requires="a14">
           <p:sp>
             <p:nvSpPr>
               <p:cNvPr id="10" name="TextBox 9">
@@ -7525,7 +7525,7 @@
             <p:spPr>
               <a:xfrm>
                 <a:off x="3080083" y="1524088"/>
-                <a:ext cx="7085195" cy="5386090"/>
+                <a:ext cx="8694128" cy="5755422"/>
               </a:xfrm>
               <a:prstGeom prst="rect">
                 <a:avLst/>
@@ -7629,7 +7629,7 @@
                     <a:latin typeface="Selawik Semibold" panose="020B0702040204020203" pitchFamily="34" charset="0"/>
                     <a:cs typeface="Arial" panose="020B0604020202020204" pitchFamily="34" charset="0"/>
                   </a:rPr>
-                  <a:t>Minimization of Sum of Squared Errors</a:t>
+                  <a:t>Minimization of Mean Absolute Deviation (MAD)</a:t>
                 </a:r>
               </a:p>
               <a:p>
@@ -7677,16 +7677,29 @@
                         <a:latin typeface="Cambria Math" panose="02040503050406030204" pitchFamily="18" charset="0"/>
                         <a:cs typeface="Arial" panose="020B0604020202020204" pitchFamily="34" charset="0"/>
                       </a:rPr>
-                      <m:t>1.82</m:t>
+                      <m:t>1.</m:t>
+                    </m:r>
+                    <m:r>
+                      <a:rPr lang="en-US" sz="2400" b="0" i="1" smtClean="0">
+                        <a:solidFill>
+                          <a:schemeClr val="bg1"/>
+                        </a:solidFill>
+                        <a:latin typeface="Cambria Math" panose="02040503050406030204" pitchFamily="18" charset="0"/>
+                        <a:cs typeface="Arial" panose="020B0604020202020204" pitchFamily="34" charset="0"/>
+                      </a:rPr>
+                      <m:t>9</m:t>
                     </m:r>
                   </m:oMath>
                 </a14:m>
-                <a:endParaRPr lang="en-US" sz="2400" dirty="0">
-                  <a:solidFill>
-                    <a:schemeClr val="bg1"/>
-                  </a:solidFill>
-                  <a:latin typeface="Selawik Semibold" panose="020B0702040204020203" pitchFamily="34" charset="0"/>
-                </a:endParaRPr>
+                <a:r>
+                  <a:rPr lang="en-US" sz="2400" dirty="0">
+                    <a:solidFill>
+                      <a:schemeClr val="bg1"/>
+                    </a:solidFill>
+                    <a:latin typeface="Selawik Semibold" panose="020B0702040204020203" pitchFamily="34" charset="0"/>
+                  </a:rPr>
+                  <a:t> (MAD=0.0196)</a:t>
+                </a:r>
               </a:p>
               <a:p>
                 <a:pPr marL="800100" lvl="1" indent="-342900">
@@ -7751,7 +7764,7 @@
                     </a:solidFill>
                     <a:latin typeface="Selawik Semibold" panose="020B0702040204020203" pitchFamily="34" charset="0"/>
                   </a:rPr>
-                  <a:t>Useful for Forecasting Playoff Series Winners</a:t>
+                  <a:t>Useful for Forecasting Playoff Series Winners (1980-2006)</a:t>
                 </a:r>
               </a:p>
               <a:p>
@@ -7783,6 +7796,21 @@
                   </a:rPr>
                   <a:t>Games Won Approach: 50% Accurate</a:t>
                 </a:r>
+              </a:p>
+              <a:p>
+                <a:pPr marL="800100" lvl="1" indent="-342900">
+                  <a:buFont typeface="Arial" panose="020B0604020202020204" pitchFamily="34" charset="0"/>
+                  <a:buChar char="•"/>
+                </a:pPr>
+                <a:r>
+                  <a:rPr lang="en-US" sz="2000" dirty="0">
+                    <a:solidFill>
+                      <a:schemeClr val="bg1"/>
+                    </a:solidFill>
+                    <a:latin typeface="Selawik Semibold" panose="020B0702040204020203" pitchFamily="34" charset="0"/>
+                  </a:rPr>
+                  <a:t>Interesting Case: 2005 Nationals</a:t>
+                </a:r>
                 <a:endParaRPr lang="en-US" sz="2400" dirty="0">
                   <a:solidFill>
                     <a:schemeClr val="bg1"/>
@@ -7805,7 +7833,7 @@
             </p:txBody>
           </p:sp>
         </mc:Choice>
-        <mc:Fallback xmlns="">
+        <mc:Fallback>
           <p:sp>
             <p:nvSpPr>
               <p:cNvPr id="10" name="TextBox 9">
@@ -7823,7 +7851,7 @@
             <p:spPr>
               <a:xfrm>
                 <a:off x="3080083" y="1524088"/>
-                <a:ext cx="7085195" cy="5386090"/>
+                <a:ext cx="8694128" cy="5755422"/>
               </a:xfrm>
               <a:prstGeom prst="rect">
                 <a:avLst/>
@@ -7831,7 +7859,7 @@
               <a:blipFill>
                 <a:blip r:embed="rId4"/>
                 <a:stretch>
-                  <a:fillRect l="-1118" t="-792"/>
+                  <a:fillRect l="-912" t="-742" r="-70"/>
                 </a:stretch>
               </a:blipFill>
             </p:spPr>
@@ -12591,14 +12619,11 @@
                 </a:solidFill>
                 <a:latin typeface="Selawik Semibold" panose="020B0702040204020203" pitchFamily="34" charset="0"/>
               </a:rPr>
-              <a:t>Based off Formula for RC, MPE = 4%</a:t>
+              <a:t>Based off Formula for RC, MAD = 28</a:t>
             </a:r>
           </a:p>
           <a:p>
-            <a:pPr marL="800100" lvl="1" indent="-342900">
-              <a:buFont typeface="Arial" panose="020B0604020202020204" pitchFamily="34" charset="0"/>
-              <a:buChar char="•"/>
-            </a:pPr>
+            <a:pPr lvl="1"/>
             <a:endParaRPr lang="en-US" sz="2000" dirty="0">
               <a:solidFill>
                 <a:schemeClr val="bg1"/>

--- a/Slides/Baseball 2/Baseball_2_Lecture.pptx
+++ b/Slides/Baseball 2/Baseball_2_Lecture.pptx
@@ -208,7 +208,7 @@
           <a:p>
             <a:fld id="{C04E5E84-956F-4423-97B3-5936A6D8EEEE}" type="datetimeFigureOut">
               <a:rPr lang="en-US" smtClean="0"/>
-              <a:t>1/22/2023</a:t>
+              <a:t>1/24/2023</a:t>
             </a:fld>
             <a:endParaRPr lang="en-US"/>
           </a:p>
@@ -706,7 +706,7 @@
           <a:p>
             <a:fld id="{3881C039-66A3-4640-815B-3B5A8B7D868D}" type="datetimeFigureOut">
               <a:rPr lang="en-US" smtClean="0"/>
-              <a:t>1/22/2023</a:t>
+              <a:t>1/24/2023</a:t>
             </a:fld>
             <a:endParaRPr lang="en-US"/>
           </a:p>
@@ -904,7 +904,7 @@
           <a:p>
             <a:fld id="{3881C039-66A3-4640-815B-3B5A8B7D868D}" type="datetimeFigureOut">
               <a:rPr lang="en-US" smtClean="0"/>
-              <a:t>1/22/2023</a:t>
+              <a:t>1/24/2023</a:t>
             </a:fld>
             <a:endParaRPr lang="en-US"/>
           </a:p>
@@ -1112,7 +1112,7 @@
           <a:p>
             <a:fld id="{3881C039-66A3-4640-815B-3B5A8B7D868D}" type="datetimeFigureOut">
               <a:rPr lang="en-US" smtClean="0"/>
-              <a:t>1/22/2023</a:t>
+              <a:t>1/24/2023</a:t>
             </a:fld>
             <a:endParaRPr lang="en-US"/>
           </a:p>
@@ -1310,7 +1310,7 @@
           <a:p>
             <a:fld id="{3881C039-66A3-4640-815B-3B5A8B7D868D}" type="datetimeFigureOut">
               <a:rPr lang="en-US" smtClean="0"/>
-              <a:t>1/22/2023</a:t>
+              <a:t>1/24/2023</a:t>
             </a:fld>
             <a:endParaRPr lang="en-US"/>
           </a:p>
@@ -1585,7 +1585,7 @@
           <a:p>
             <a:fld id="{3881C039-66A3-4640-815B-3B5A8B7D868D}" type="datetimeFigureOut">
               <a:rPr lang="en-US" smtClean="0"/>
-              <a:t>1/22/2023</a:t>
+              <a:t>1/24/2023</a:t>
             </a:fld>
             <a:endParaRPr lang="en-US"/>
           </a:p>
@@ -1850,7 +1850,7 @@
           <a:p>
             <a:fld id="{3881C039-66A3-4640-815B-3B5A8B7D868D}" type="datetimeFigureOut">
               <a:rPr lang="en-US" smtClean="0"/>
-              <a:t>1/22/2023</a:t>
+              <a:t>1/24/2023</a:t>
             </a:fld>
             <a:endParaRPr lang="en-US"/>
           </a:p>
@@ -2262,7 +2262,7 @@
           <a:p>
             <a:fld id="{3881C039-66A3-4640-815B-3B5A8B7D868D}" type="datetimeFigureOut">
               <a:rPr lang="en-US" smtClean="0"/>
-              <a:t>1/22/2023</a:t>
+              <a:t>1/24/2023</a:t>
             </a:fld>
             <a:endParaRPr lang="en-US"/>
           </a:p>
@@ -2403,7 +2403,7 @@
           <a:p>
             <a:fld id="{3881C039-66A3-4640-815B-3B5A8B7D868D}" type="datetimeFigureOut">
               <a:rPr lang="en-US" smtClean="0"/>
-              <a:t>1/22/2023</a:t>
+              <a:t>1/24/2023</a:t>
             </a:fld>
             <a:endParaRPr lang="en-US"/>
           </a:p>
@@ -2516,7 +2516,7 @@
           <a:p>
             <a:fld id="{3881C039-66A3-4640-815B-3B5A8B7D868D}" type="datetimeFigureOut">
               <a:rPr lang="en-US" smtClean="0"/>
-              <a:t>1/22/2023</a:t>
+              <a:t>1/24/2023</a:t>
             </a:fld>
             <a:endParaRPr lang="en-US"/>
           </a:p>
@@ -2827,7 +2827,7 @@
           <a:p>
             <a:fld id="{3881C039-66A3-4640-815B-3B5A8B7D868D}" type="datetimeFigureOut">
               <a:rPr lang="en-US" smtClean="0"/>
-              <a:t>1/22/2023</a:t>
+              <a:t>1/24/2023</a:t>
             </a:fld>
             <a:endParaRPr lang="en-US"/>
           </a:p>
@@ -3115,7 +3115,7 @@
           <a:p>
             <a:fld id="{3881C039-66A3-4640-815B-3B5A8B7D868D}" type="datetimeFigureOut">
               <a:rPr lang="en-US" smtClean="0"/>
-              <a:t>1/22/2023</a:t>
+              <a:t>1/24/2023</a:t>
             </a:fld>
             <a:endParaRPr lang="en-US"/>
           </a:p>
@@ -3359,7 +3359,7 @@
           <a:p>
             <a:fld id="{3881C039-66A3-4640-815B-3B5A8B7D868D}" type="datetimeFigureOut">
               <a:rPr lang="en-US" smtClean="0"/>
-              <a:t>1/22/2023</a:t>
+              <a:t>1/24/2023</a:t>
             </a:fld>
             <a:endParaRPr lang="en-US"/>
           </a:p>
@@ -7525,7 +7525,7 @@
             <p:spPr>
               <a:xfrm>
                 <a:off x="3080083" y="1524088"/>
-                <a:ext cx="8694128" cy="5755422"/>
+                <a:ext cx="8694128" cy="5693866"/>
               </a:xfrm>
               <a:prstGeom prst="rect">
                 <a:avLst/>
@@ -7687,7 +7687,7 @@
                         <a:latin typeface="Cambria Math" panose="02040503050406030204" pitchFamily="18" charset="0"/>
                         <a:cs typeface="Arial" panose="020B0604020202020204" pitchFamily="34" charset="0"/>
                       </a:rPr>
-                      <m:t>9</m:t>
+                      <m:t>8</m:t>
                     </m:r>
                   </m:oMath>
                 </a14:m>
@@ -7698,7 +7698,7 @@
                     </a:solidFill>
                     <a:latin typeface="Selawik Semibold" panose="020B0702040204020203" pitchFamily="34" charset="0"/>
                   </a:rPr>
-                  <a:t> (MAD=0.0196)</a:t>
+                  <a:t> (MAD=0.0199)</a:t>
                 </a:r>
               </a:p>
               <a:p>
@@ -7764,7 +7764,7 @@
                     </a:solidFill>
                     <a:latin typeface="Selawik Semibold" panose="020B0702040204020203" pitchFamily="34" charset="0"/>
                   </a:rPr>
-                  <a:t>Useful for Forecasting Playoff Series Winners (1980-2006)</a:t>
+                  <a:t>Forecasting Playoff Series Winners (2005-2016)</a:t>
                 </a:r>
               </a:p>
               <a:p>
@@ -7779,7 +7779,7 @@
                     </a:solidFill>
                     <a:latin typeface="Selawik Semibold" panose="020B0702040204020203" pitchFamily="34" charset="0"/>
                   </a:rPr>
-                  <a:t>Pythagorean Method: 53.8% Accurate</a:t>
+                  <a:t>Pythagorean Method: 54.8% Accurate</a:t>
                 </a:r>
               </a:p>
               <a:p>
@@ -7794,7 +7794,7 @@
                     </a:solidFill>
                     <a:latin typeface="Selawik Semibold" panose="020B0702040204020203" pitchFamily="34" charset="0"/>
                   </a:rPr>
-                  <a:t>Games Won Approach: 50% Accurate</a:t>
+                  <a:t>Games Won Approach: 55% Accurate</a:t>
                 </a:r>
               </a:p>
               <a:p>
@@ -7851,7 +7851,7 @@
             <p:spPr>
               <a:xfrm>
                 <a:off x="3080083" y="1524088"/>
-                <a:ext cx="8694128" cy="5755422"/>
+                <a:ext cx="8694128" cy="5693866"/>
               </a:xfrm>
               <a:prstGeom prst="rect">
                 <a:avLst/>
@@ -7859,7 +7859,7 @@
               <a:blipFill>
                 <a:blip r:embed="rId4"/>
                 <a:stretch>
-                  <a:fillRect l="-912" t="-742" r="-70"/>
+                  <a:fillRect l="-912" t="-749"/>
                 </a:stretch>
               </a:blipFill>
             </p:spPr>
@@ -8675,7 +8675,7 @@
                   <a:schemeClr val="bg1"/>
                 </a:solidFill>
               </a:rPr>
-              <a:t>#Blessed</a:t>
+              <a:t>Error</a:t>
             </a:r>
           </a:p>
         </p:txBody>
@@ -10567,35 +10567,17 @@
                 </a:solidFill>
                 <a:latin typeface="Selawik Semibold" panose="020B0702040204020203" pitchFamily="34" charset="0"/>
               </a:rPr>
-              <a:t>Motivation: </a:t>
-            </a:r>
-            <a:r>
-              <a:rPr lang="en-US" sz="2400" dirty="0" err="1">
-                <a:solidFill>
-                  <a:schemeClr val="bg1"/>
-                </a:solidFill>
-                <a:latin typeface="Selawik Semibold" panose="020B0702040204020203" pitchFamily="34" charset="0"/>
-              </a:rPr>
-              <a:t>Nomar</a:t>
-            </a:r>
-            <a:r>
-              <a:rPr lang="en-US" sz="2400" dirty="0">
-                <a:solidFill>
-                  <a:schemeClr val="bg1"/>
-                </a:solidFill>
-                <a:latin typeface="Selawik Semibold" panose="020B0702040204020203" pitchFamily="34" charset="0"/>
-              </a:rPr>
-              <a:t> Vs. Ichiro</a:t>
+              <a:t>Motivation: Mike Trout Vs. Kris Bryant</a:t>
             </a:r>
           </a:p>
         </p:txBody>
       </p:sp>
       <p:pic>
         <p:nvPicPr>
-          <p:cNvPr id="2" name="Picture 1">
+          <p:cNvPr id="5" name="Picture 4">
             <a:extLst>
               <a:ext uri="{FF2B5EF4-FFF2-40B4-BE49-F238E27FC236}">
-                <a16:creationId xmlns:a16="http://schemas.microsoft.com/office/drawing/2014/main" id="{9B908E06-0194-423D-952F-3947896C5A80}"/>
+                <a16:creationId xmlns:a16="http://schemas.microsoft.com/office/drawing/2014/main" id="{01D59693-332C-F8C0-4003-3074A31D0E4D}"/>
               </a:ext>
             </a:extLst>
           </p:cNvPr>
@@ -10612,17 +10594,12 @@
         </p:blipFill>
         <p:spPr>
           <a:xfrm>
-            <a:off x="3547904" y="2039549"/>
-            <a:ext cx="5151911" cy="4601388"/>
+            <a:off x="3511167" y="2134923"/>
+            <a:ext cx="6216708" cy="4573906"/>
           </a:xfrm>
           <a:prstGeom prst="rect">
             <a:avLst/>
           </a:prstGeom>
-          <a:ln w="38100">
-            <a:solidFill>
-              <a:schemeClr val="tx1"/>
-            </a:solidFill>
-          </a:ln>
         </p:spPr>
       </p:pic>
       <p:sp>
@@ -10639,7 +10616,7 @@
         </p:nvSpPr>
         <p:spPr>
           <a:xfrm>
-            <a:off x="5833229" y="3295009"/>
+            <a:off x="6310891" y="3455598"/>
             <a:ext cx="617259" cy="461665"/>
           </a:xfrm>
           <a:prstGeom prst="ellipse">
@@ -10691,7 +10668,7 @@
         </p:nvSpPr>
         <p:spPr>
           <a:xfrm>
-            <a:off x="7741542" y="3686431"/>
+            <a:off x="8051080" y="3828475"/>
             <a:ext cx="617259" cy="461665"/>
           </a:xfrm>
           <a:prstGeom prst="ellipse">
@@ -10726,112 +10703,6 @@
           <a:p>
             <a:pPr algn="ctr"/>
             <a:endParaRPr lang="en-US"/>
-          </a:p>
-        </p:txBody>
-      </p:sp>
-      <p:sp>
-        <p:nvSpPr>
-          <p:cNvPr id="7" name="Arrow: Curved Down 6">
-            <a:extLst>
-              <a:ext uri="{FF2B5EF4-FFF2-40B4-BE49-F238E27FC236}">
-                <a16:creationId xmlns:a16="http://schemas.microsoft.com/office/drawing/2014/main" id="{03A9C30B-51CB-476D-83BD-5B091BEE5B3F}"/>
-              </a:ext>
-            </a:extLst>
-          </p:cNvPr>
-          <p:cNvSpPr/>
-          <p:nvPr/>
-        </p:nvSpPr>
-        <p:spPr>
-          <a:xfrm rot="5400000">
-            <a:off x="6177288" y="3805151"/>
-            <a:ext cx="947528" cy="307875"/>
-          </a:xfrm>
-          <a:prstGeom prst="curvedDownArrow">
-            <a:avLst/>
-          </a:prstGeom>
-          <a:solidFill>
-            <a:srgbClr val="395583"/>
-          </a:solidFill>
-        </p:spPr>
-        <p:style>
-          <a:lnRef idx="2">
-            <a:schemeClr val="accent1">
-              <a:shade val="50000"/>
-            </a:schemeClr>
-          </a:lnRef>
-          <a:fillRef idx="1">
-            <a:schemeClr val="accent1"/>
-          </a:fillRef>
-          <a:effectRef idx="0">
-            <a:schemeClr val="accent1"/>
-          </a:effectRef>
-          <a:fontRef idx="minor">
-            <a:schemeClr val="lt1"/>
-          </a:fontRef>
-        </p:style>
-        <p:txBody>
-          <a:bodyPr rtlCol="0" anchor="ctr"/>
-          <a:lstStyle/>
-          <a:p>
-            <a:pPr algn="ctr"/>
-            <a:endParaRPr lang="en-US">
-              <a:solidFill>
-                <a:schemeClr val="tx1"/>
-              </a:solidFill>
-            </a:endParaRPr>
-          </a:p>
-        </p:txBody>
-      </p:sp>
-      <p:sp>
-        <p:nvSpPr>
-          <p:cNvPr id="20" name="Arrow: Curved Down 19">
-            <a:extLst>
-              <a:ext uri="{FF2B5EF4-FFF2-40B4-BE49-F238E27FC236}">
-                <a16:creationId xmlns:a16="http://schemas.microsoft.com/office/drawing/2014/main" id="{D2082CEE-5967-494D-BE75-CD30EA412DE9}"/>
-              </a:ext>
-            </a:extLst>
-          </p:cNvPr>
-          <p:cNvSpPr/>
-          <p:nvPr/>
-        </p:nvSpPr>
-        <p:spPr>
-          <a:xfrm rot="16200000" flipH="1">
-            <a:off x="6475075" y="4789505"/>
-            <a:ext cx="2127742" cy="307875"/>
-          </a:xfrm>
-          <a:prstGeom prst="curvedDownArrow">
-            <a:avLst/>
-          </a:prstGeom>
-          <a:solidFill>
-            <a:srgbClr val="395583"/>
-          </a:solidFill>
-        </p:spPr>
-        <p:style>
-          <a:lnRef idx="2">
-            <a:schemeClr val="accent1">
-              <a:shade val="50000"/>
-            </a:schemeClr>
-          </a:lnRef>
-          <a:fillRef idx="1">
-            <a:schemeClr val="accent1"/>
-          </a:fillRef>
-          <a:effectRef idx="0">
-            <a:schemeClr val="accent1"/>
-          </a:effectRef>
-          <a:fontRef idx="minor">
-            <a:schemeClr val="lt1"/>
-          </a:fontRef>
-        </p:style>
-        <p:txBody>
-          <a:bodyPr rtlCol="0" anchor="ctr"/>
-          <a:lstStyle/>
-          <a:p>
-            <a:pPr algn="ctr"/>
-            <a:endParaRPr lang="en-US">
-              <a:solidFill>
-                <a:schemeClr val="tx1"/>
-              </a:solidFill>
-            </a:endParaRPr>
           </a:p>
         </p:txBody>
       </p:sp>
@@ -12553,7 +12424,7 @@
                 </a:solidFill>
                 <a:latin typeface="Selawik Semibold" panose="020B0702040204020203" pitchFamily="34" charset="0"/>
               </a:rPr>
-              <a:t>Mean Percentage Error (MPE)</a:t>
+              <a:t>Evaluated For Teams from 2010 to 2016</a:t>
             </a:r>
           </a:p>
           <a:p>
@@ -12568,7 +12439,7 @@
                 </a:solidFill>
                 <a:latin typeface="Selawik Semibold" panose="020B0702040204020203" pitchFamily="34" charset="0"/>
               </a:rPr>
-              <a:t>Formula for MPE:</a:t>
+              <a:t>Formula for Mean Percentage Error:</a:t>
             </a:r>
           </a:p>
           <a:p>
@@ -12619,11 +12490,14 @@
                 </a:solidFill>
                 <a:latin typeface="Selawik Semibold" panose="020B0702040204020203" pitchFamily="34" charset="0"/>
               </a:rPr>
-              <a:t>Based off Formula for RC, MAD = 28</a:t>
+              <a:t>Based off Formula for RC, MPE = 3% (21 Runs)</a:t>
             </a:r>
           </a:p>
           <a:p>
-            <a:pPr lvl="1"/>
+            <a:pPr marL="800100" lvl="1" indent="-342900">
+              <a:buFont typeface="Arial" panose="020B0604020202020204" pitchFamily="34" charset="0"/>
+              <a:buChar char="•"/>
+            </a:pPr>
             <a:endParaRPr lang="en-US" sz="2000" dirty="0">
               <a:solidFill>
                 <a:schemeClr val="bg1"/>
@@ -13372,7 +13246,7 @@
           <p:nvPr>
             <p:extLst>
               <p:ext uri="{D42A27DB-BD31-4B8C-83A1-F6EECF244321}">
-                <p14:modId xmlns:p14="http://schemas.microsoft.com/office/powerpoint/2010/main" val="2575527416"/>
+                <p14:modId xmlns:p14="http://schemas.microsoft.com/office/powerpoint/2010/main" val="3546222152"/>
               </p:ext>
             </p:extLst>
           </p:nvPr>
@@ -13444,7 +13318,7 @@
                     <a:p>
                       <a:r>
                         <a:rPr lang="en-US" dirty="0"/>
-                        <a:t>Ichiro 2004</a:t>
+                        <a:t>Bryant 2016</a:t>
                       </a:r>
                     </a:p>
                   </a:txBody>
@@ -13457,7 +13331,7 @@
                     <a:p>
                       <a:r>
                         <a:rPr lang="en-US" dirty="0"/>
-                        <a:t>133.16</a:t>
+                        <a:t>129.09</a:t>
                       </a:r>
                     </a:p>
                   </a:txBody>
@@ -13476,12 +13350,8 @@
                     <a:lstStyle/>
                     <a:p>
                       <a:r>
-                        <a:rPr lang="en-US" dirty="0" err="1"/>
-                        <a:t>Nomar</a:t>
-                      </a:r>
-                      <a:r>
                         <a:rPr lang="en-US" dirty="0"/>
-                        <a:t> 1997</a:t>
+                        <a:t>Trout 2016</a:t>
                       </a:r>
                     </a:p>
                   </a:txBody>
@@ -13494,7 +13364,7 @@
                     <a:p>
                       <a:r>
                         <a:rPr lang="en-US" dirty="0"/>
-                        <a:t>125.86</a:t>
+                        <a:t>134.02</a:t>
                       </a:r>
                     </a:p>
                   </a:txBody>
@@ -13506,7 +13376,7 @@
                   </a:ext>
                 </a:extLst>
               </a:tr>
-              <a:tr h="284526">
+              <a:tr h="139429">
                 <a:tc>
                   <a:txBody>
                     <a:bodyPr/>
@@ -13514,7 +13384,7 @@
                     <a:p>
                       <a:r>
                         <a:rPr lang="en-US" dirty="0"/>
-                        <a:t>Bonds 2004</a:t>
+                        <a:t>Cabrera 2013</a:t>
                       </a:r>
                     </a:p>
                   </a:txBody>
@@ -13527,7 +13397,7 @@
                     <a:p>
                       <a:r>
                         <a:rPr lang="en-US" dirty="0"/>
-                        <a:t>185.74</a:t>
+                        <a:t>147.54</a:t>
                       </a:r>
                     </a:p>
                   </a:txBody>
@@ -14773,8 +14643,8 @@
           </p:sp>
         </mc:Fallback>
       </mc:AlternateContent>
-      <mc:AlternateContent xmlns:mc="http://schemas.openxmlformats.org/markup-compatibility/2006" xmlns:a14="http://schemas.microsoft.com/office/drawing/2010/main">
-        <mc:Choice Requires="a14">
+      <mc:AlternateContent xmlns:mc="http://schemas.openxmlformats.org/markup-compatibility/2006">
+        <mc:Choice xmlns:a14="http://schemas.microsoft.com/office/drawing/2010/main" Requires="a14">
           <p:sp>
             <p:nvSpPr>
               <p:cNvPr id="15" name="TextBox 14">
@@ -14907,7 +14777,7 @@
                           </a:solidFill>
                           <a:latin typeface="Cambria Math" panose="02040503050406030204" pitchFamily="18" charset="0"/>
                         </a:rPr>
-                        <m:t>𝟕𝟐</m:t>
+                        <m:t>𝟖𝟑</m:t>
                       </m:r>
                     </m:oMath>
                   </m:oMathPara>
@@ -14921,7 +14791,7 @@
             </p:txBody>
           </p:sp>
         </mc:Choice>
-        <mc:Fallback xmlns="">
+        <mc:Fallback>
           <p:sp>
             <p:nvSpPr>
               <p:cNvPr id="15" name="TextBox 14">
@@ -14966,8 +14836,8 @@
           </p:sp>
         </mc:Fallback>
       </mc:AlternateContent>
-      <mc:AlternateContent xmlns:mc="http://schemas.openxmlformats.org/markup-compatibility/2006" xmlns:a14="http://schemas.microsoft.com/office/drawing/2010/main">
-        <mc:Choice Requires="a14">
+      <mc:AlternateContent xmlns:mc="http://schemas.openxmlformats.org/markup-compatibility/2006">
+        <mc:Choice xmlns:a14="http://schemas.microsoft.com/office/drawing/2010/main" Requires="a14">
           <p:sp>
             <p:nvSpPr>
               <p:cNvPr id="18" name="TextBox 17">
@@ -15051,7 +14921,7 @@
                               </a:solidFill>
                               <a:latin typeface="Cambria Math" panose="02040503050406030204" pitchFamily="18" charset="0"/>
                             </a:rPr>
-                            <m:t>𝟕𝟐</m:t>
+                            <m:t>𝟖𝟑</m:t>
                           </m:r>
                         </m:den>
                       </m:f>
@@ -15067,7 +14937,7 @@
             </p:txBody>
           </p:sp>
         </mc:Choice>
-        <mc:Fallback xmlns="">
+        <mc:Fallback>
           <p:sp>
             <p:nvSpPr>
               <p:cNvPr id="18" name="TextBox 17">
@@ -15811,8 +15681,8 @@
           </a:p>
         </p:txBody>
       </p:sp>
-      <mc:AlternateContent xmlns:mc="http://schemas.openxmlformats.org/markup-compatibility/2006" xmlns:a14="http://schemas.microsoft.com/office/drawing/2010/main">
-        <mc:Choice Requires="a14">
+      <mc:AlternateContent xmlns:mc="http://schemas.openxmlformats.org/markup-compatibility/2006">
+        <mc:Choice xmlns:a14="http://schemas.microsoft.com/office/drawing/2010/main" Requires="a14">
           <p:sp>
             <p:nvSpPr>
               <p:cNvPr id="11" name="TextBox 10">
@@ -15962,7 +15832,7 @@
                                   </a:solidFill>
                                   <a:latin typeface="Cambria Math" panose="02040503050406030204" pitchFamily="18" charset="0"/>
                                 </a:rPr>
-                                <m:t>𝟕𝟐</m:t>
+                                <m:t>𝟖𝟑</m:t>
                               </m:r>
                             </m:den>
                           </m:f>
@@ -15980,7 +15850,7 @@
             </p:txBody>
           </p:sp>
         </mc:Choice>
-        <mc:Fallback xmlns="">
+        <mc:Fallback>
           <p:sp>
             <p:nvSpPr>
               <p:cNvPr id="11" name="TextBox 10">
@@ -16040,7 +15910,7 @@
           <p:nvPr>
             <p:extLst>
               <p:ext uri="{D42A27DB-BD31-4B8C-83A1-F6EECF244321}">
-                <p14:modId xmlns:p14="http://schemas.microsoft.com/office/powerpoint/2010/main" val="3715535098"/>
+                <p14:modId xmlns:p14="http://schemas.microsoft.com/office/powerpoint/2010/main" val="3225072862"/>
               </p:ext>
             </p:extLst>
           </p:nvPr>
@@ -16133,10 +16003,22 @@
                     <a:bodyPr/>
                     <a:lstStyle/>
                     <a:p>
-                      <a:pPr algn="ctr"/>
                       <a:r>
                         <a:rPr lang="en-US" dirty="0"/>
-                        <a:t>Ichiro 2004</a:t>
+                        <a:t>Bryant 2016</a:t>
+                      </a:r>
+                    </a:p>
+                  </a:txBody>
+                  <a:tcPr/>
+                </a:tc>
+                <a:tc>
+                  <a:txBody>
+                    <a:bodyPr/>
+                    <a:lstStyle/>
+                    <a:p>
+                      <a:r>
+                        <a:rPr lang="en-US" dirty="0"/>
+                        <a:t>129.09</a:t>
                       </a:r>
                     </a:p>
                   </a:txBody>
@@ -16150,21 +16032,7 @@
                       <a:pPr algn="ctr"/>
                       <a:r>
                         <a:rPr lang="en-US" dirty="0"/>
-                        <a:t>133.16</a:t>
-                      </a:r>
-                    </a:p>
-                  </a:txBody>
-                  <a:tcPr/>
-                </a:tc>
-                <a:tc>
-                  <a:txBody>
-                    <a:bodyPr/>
-                    <a:lstStyle/>
-                    <a:p>
-                      <a:pPr algn="ctr"/>
-                      <a:r>
-                        <a:rPr lang="en-US" dirty="0"/>
-                        <a:t>7.88</a:t>
+                        <a:t>8.11</a:t>
                       </a:r>
                     </a:p>
                   </a:txBody>
@@ -16182,14 +16050,22 @@
                     <a:bodyPr/>
                     <a:lstStyle/>
                     <a:p>
-                      <a:pPr algn="ctr"/>
-                      <a:r>
-                        <a:rPr lang="en-US" dirty="0" err="1"/>
-                        <a:t>Nomar</a:t>
-                      </a:r>
                       <a:r>
                         <a:rPr lang="en-US" dirty="0"/>
-                        <a:t> 1997</a:t>
+                        <a:t>Trout 2016</a:t>
+                      </a:r>
+                    </a:p>
+                  </a:txBody>
+                  <a:tcPr/>
+                </a:tc>
+                <a:tc>
+                  <a:txBody>
+                    <a:bodyPr/>
+                    <a:lstStyle/>
+                    <a:p>
+                      <a:r>
+                        <a:rPr lang="en-US" dirty="0"/>
+                        <a:t>134.02</a:t>
                       </a:r>
                     </a:p>
                   </a:txBody>
@@ -16203,21 +16079,7 @@
                       <a:pPr algn="ctr"/>
                       <a:r>
                         <a:rPr lang="en-US" dirty="0"/>
-                        <a:t>125.86</a:t>
-                      </a:r>
-                    </a:p>
-                  </a:txBody>
-                  <a:tcPr/>
-                </a:tc>
-                <a:tc>
-                  <a:txBody>
-                    <a:bodyPr/>
-                    <a:lstStyle/>
-                    <a:p>
-                      <a:pPr algn="ctr"/>
-                      <a:r>
-                        <a:rPr lang="en-US" dirty="0"/>
-                        <a:t>6.72</a:t>
+                        <a:t>9.39</a:t>
                       </a:r>
                     </a:p>
                   </a:txBody>
@@ -16235,10 +16097,22 @@
                     <a:bodyPr/>
                     <a:lstStyle/>
                     <a:p>
-                      <a:pPr algn="ctr"/>
                       <a:r>
                         <a:rPr lang="en-US" dirty="0"/>
-                        <a:t>Bonds 2004</a:t>
+                        <a:t>Cabrera 2013</a:t>
+                      </a:r>
+                    </a:p>
+                  </a:txBody>
+                  <a:tcPr/>
+                </a:tc>
+                <a:tc>
+                  <a:txBody>
+                    <a:bodyPr/>
+                    <a:lstStyle/>
+                    <a:p>
+                      <a:r>
+                        <a:rPr lang="en-US" dirty="0"/>
+                        <a:t>147.54</a:t>
                       </a:r>
                     </a:p>
                   </a:txBody>
@@ -16252,21 +16126,7 @@
                       <a:pPr algn="ctr"/>
                       <a:r>
                         <a:rPr lang="en-US" dirty="0"/>
-                        <a:t>185.74</a:t>
-                      </a:r>
-                    </a:p>
-                  </a:txBody>
-                  <a:tcPr/>
-                </a:tc>
-                <a:tc>
-                  <a:txBody>
-                    <a:bodyPr/>
-                    <a:lstStyle/>
-                    <a:p>
-                      <a:pPr algn="ctr"/>
-                      <a:r>
-                        <a:rPr lang="en-US" dirty="0"/>
-                        <a:t>20.65</a:t>
+                        <a:t>10.6</a:t>
                       </a:r>
                     </a:p>
                   </a:txBody>

--- a/Slides/Baseball 2/Baseball_2_Lecture.pptx
+++ b/Slides/Baseball 2/Baseball_2_Lecture.pptx
@@ -208,7 +208,7 @@
           <a:p>
             <a:fld id="{C04E5E84-956F-4423-97B3-5936A6D8EEEE}" type="datetimeFigureOut">
               <a:rPr lang="en-US" smtClean="0"/>
-              <a:t>1/24/2023</a:t>
+              <a:t>1/25/2023</a:t>
             </a:fld>
             <a:endParaRPr lang="en-US"/>
           </a:p>
@@ -706,7 +706,7 @@
           <a:p>
             <a:fld id="{3881C039-66A3-4640-815B-3B5A8B7D868D}" type="datetimeFigureOut">
               <a:rPr lang="en-US" smtClean="0"/>
-              <a:t>1/24/2023</a:t>
+              <a:t>1/25/2023</a:t>
             </a:fld>
             <a:endParaRPr lang="en-US"/>
           </a:p>
@@ -904,7 +904,7 @@
           <a:p>
             <a:fld id="{3881C039-66A3-4640-815B-3B5A8B7D868D}" type="datetimeFigureOut">
               <a:rPr lang="en-US" smtClean="0"/>
-              <a:t>1/24/2023</a:t>
+              <a:t>1/25/2023</a:t>
             </a:fld>
             <a:endParaRPr lang="en-US"/>
           </a:p>
@@ -1112,7 +1112,7 @@
           <a:p>
             <a:fld id="{3881C039-66A3-4640-815B-3B5A8B7D868D}" type="datetimeFigureOut">
               <a:rPr lang="en-US" smtClean="0"/>
-              <a:t>1/24/2023</a:t>
+              <a:t>1/25/2023</a:t>
             </a:fld>
             <a:endParaRPr lang="en-US"/>
           </a:p>
@@ -1310,7 +1310,7 @@
           <a:p>
             <a:fld id="{3881C039-66A3-4640-815B-3B5A8B7D868D}" type="datetimeFigureOut">
               <a:rPr lang="en-US" smtClean="0"/>
-              <a:t>1/24/2023</a:t>
+              <a:t>1/25/2023</a:t>
             </a:fld>
             <a:endParaRPr lang="en-US"/>
           </a:p>
@@ -1585,7 +1585,7 @@
           <a:p>
             <a:fld id="{3881C039-66A3-4640-815B-3B5A8B7D868D}" type="datetimeFigureOut">
               <a:rPr lang="en-US" smtClean="0"/>
-              <a:t>1/24/2023</a:t>
+              <a:t>1/25/2023</a:t>
             </a:fld>
             <a:endParaRPr lang="en-US"/>
           </a:p>
@@ -1850,7 +1850,7 @@
           <a:p>
             <a:fld id="{3881C039-66A3-4640-815B-3B5A8B7D868D}" type="datetimeFigureOut">
               <a:rPr lang="en-US" smtClean="0"/>
-              <a:t>1/24/2023</a:t>
+              <a:t>1/25/2023</a:t>
             </a:fld>
             <a:endParaRPr lang="en-US"/>
           </a:p>
@@ -2262,7 +2262,7 @@
           <a:p>
             <a:fld id="{3881C039-66A3-4640-815B-3B5A8B7D868D}" type="datetimeFigureOut">
               <a:rPr lang="en-US" smtClean="0"/>
-              <a:t>1/24/2023</a:t>
+              <a:t>1/25/2023</a:t>
             </a:fld>
             <a:endParaRPr lang="en-US"/>
           </a:p>
@@ -2403,7 +2403,7 @@
           <a:p>
             <a:fld id="{3881C039-66A3-4640-815B-3B5A8B7D868D}" type="datetimeFigureOut">
               <a:rPr lang="en-US" smtClean="0"/>
-              <a:t>1/24/2023</a:t>
+              <a:t>1/25/2023</a:t>
             </a:fld>
             <a:endParaRPr lang="en-US"/>
           </a:p>
@@ -2516,7 +2516,7 @@
           <a:p>
             <a:fld id="{3881C039-66A3-4640-815B-3B5A8B7D868D}" type="datetimeFigureOut">
               <a:rPr lang="en-US" smtClean="0"/>
-              <a:t>1/24/2023</a:t>
+              <a:t>1/25/2023</a:t>
             </a:fld>
             <a:endParaRPr lang="en-US"/>
           </a:p>
@@ -2827,7 +2827,7 @@
           <a:p>
             <a:fld id="{3881C039-66A3-4640-815B-3B5A8B7D868D}" type="datetimeFigureOut">
               <a:rPr lang="en-US" smtClean="0"/>
-              <a:t>1/24/2023</a:t>
+              <a:t>1/25/2023</a:t>
             </a:fld>
             <a:endParaRPr lang="en-US"/>
           </a:p>
@@ -3115,7 +3115,7 @@
           <a:p>
             <a:fld id="{3881C039-66A3-4640-815B-3B5A8B7D868D}" type="datetimeFigureOut">
               <a:rPr lang="en-US" smtClean="0"/>
-              <a:t>1/24/2023</a:t>
+              <a:t>1/25/2023</a:t>
             </a:fld>
             <a:endParaRPr lang="en-US"/>
           </a:p>
@@ -3359,7 +3359,7 @@
           <a:p>
             <a:fld id="{3881C039-66A3-4640-815B-3B5A8B7D868D}" type="datetimeFigureOut">
               <a:rPr lang="en-US" smtClean="0"/>
-              <a:t>1/24/2023</a:t>
+              <a:t>1/25/2023</a:t>
             </a:fld>
             <a:endParaRPr lang="en-US"/>
           </a:p>
@@ -7508,8 +7508,8 @@
           </a:p>
         </p:txBody>
       </p:sp>
-      <mc:AlternateContent xmlns:mc="http://schemas.openxmlformats.org/markup-compatibility/2006">
-        <mc:Choice xmlns:a14="http://schemas.microsoft.com/office/drawing/2010/main" Requires="a14">
+      <mc:AlternateContent xmlns:mc="http://schemas.openxmlformats.org/markup-compatibility/2006" xmlns:a14="http://schemas.microsoft.com/office/drawing/2010/main">
+        <mc:Choice Requires="a14">
           <p:sp>
             <p:nvSpPr>
               <p:cNvPr id="10" name="TextBox 9">
@@ -7677,17 +7677,7 @@
                         <a:latin typeface="Cambria Math" panose="02040503050406030204" pitchFamily="18" charset="0"/>
                         <a:cs typeface="Arial" panose="020B0604020202020204" pitchFamily="34" charset="0"/>
                       </a:rPr>
-                      <m:t>1.</m:t>
-                    </m:r>
-                    <m:r>
-                      <a:rPr lang="en-US" sz="2400" b="0" i="1" smtClean="0">
-                        <a:solidFill>
-                          <a:schemeClr val="bg1"/>
-                        </a:solidFill>
-                        <a:latin typeface="Cambria Math" panose="02040503050406030204" pitchFamily="18" charset="0"/>
-                        <a:cs typeface="Arial" panose="020B0604020202020204" pitchFamily="34" charset="0"/>
-                      </a:rPr>
-                      <m:t>8</m:t>
+                      <m:t>1.8</m:t>
                     </m:r>
                   </m:oMath>
                 </a14:m>
@@ -7833,7 +7823,7 @@
             </p:txBody>
           </p:sp>
         </mc:Choice>
-        <mc:Fallback>
+        <mc:Fallback xmlns="">
           <p:sp>
             <p:nvSpPr>
               <p:cNvPr id="10" name="TextBox 9">
@@ -9125,7 +9115,7 @@
                 </a:solidFill>
                 <a:latin typeface="Selawik Semibold" panose="020B0702040204020203" pitchFamily="34" charset="0"/>
               </a:rPr>
-              <a:t>Example: Cleveland Indians</a:t>
+              <a:t>Example: Cleveland Guardians</a:t>
             </a:r>
           </a:p>
           <a:p>
@@ -9371,8 +9361,8 @@
           </a:p>
         </p:txBody>
       </p:sp>
-      <mc:AlternateContent xmlns:mc="http://schemas.openxmlformats.org/markup-compatibility/2006" xmlns:a14="http://schemas.microsoft.com/office/drawing/2010/main">
-        <mc:Choice Requires="a14">
+      <mc:AlternateContent xmlns:mc="http://schemas.openxmlformats.org/markup-compatibility/2006">
+        <mc:Choice xmlns:a14="http://schemas.microsoft.com/office/drawing/2010/main" Requires="a14">
           <p:sp>
             <p:nvSpPr>
               <p:cNvPr id="15" name="TextBox 14">
@@ -9535,7 +9525,7 @@
                                   </a:solidFill>
                                   <a:latin typeface="Cambria Math" panose="02040503050406030204" pitchFamily="18" charset="0"/>
                                 </a:rPr>
-                                <m:t>𝟖𝟐</m:t>
+                                <m:t>𝟖</m:t>
                               </m:r>
                             </m:sup>
                           </m:sSup>
@@ -9628,7 +9618,7 @@
                                   </a:solidFill>
                                   <a:latin typeface="Cambria Math" panose="02040503050406030204" pitchFamily="18" charset="0"/>
                                 </a:rPr>
-                                <m:t>𝟖𝟐</m:t>
+                                <m:t>𝟖</m:t>
                               </m:r>
                             </m:sup>
                           </m:sSup>
@@ -9700,7 +9690,7 @@
             </p:txBody>
           </p:sp>
         </mc:Choice>
-        <mc:Fallback xmlns="">
+        <mc:Fallback>
           <p:sp>
             <p:nvSpPr>
               <p:cNvPr id="15" name="TextBox 14">
@@ -9745,8 +9735,8 @@
           </p:sp>
         </mc:Fallback>
       </mc:AlternateContent>
-      <mc:AlternateContent xmlns:mc="http://schemas.openxmlformats.org/markup-compatibility/2006" xmlns:a14="http://schemas.microsoft.com/office/drawing/2010/main">
-        <mc:Choice Requires="a14">
+      <mc:AlternateContent xmlns:mc="http://schemas.openxmlformats.org/markup-compatibility/2006">
+        <mc:Choice xmlns:a14="http://schemas.microsoft.com/office/drawing/2010/main" Requires="a14">
           <p:sp>
             <p:nvSpPr>
               <p:cNvPr id="19" name="TextBox 18">
@@ -9909,7 +9899,7 @@
                                   </a:solidFill>
                                   <a:latin typeface="Cambria Math" panose="02040503050406030204" pitchFamily="18" charset="0"/>
                                 </a:rPr>
-                                <m:t>𝟖𝟐</m:t>
+                                <m:t>𝟖</m:t>
                               </m:r>
                             </m:sup>
                           </m:sSup>
@@ -10020,7 +10010,7 @@
                                   </a:solidFill>
                                   <a:latin typeface="Cambria Math" panose="02040503050406030204" pitchFamily="18" charset="0"/>
                                 </a:rPr>
-                                <m:t>𝟖𝟐</m:t>
+                                <m:t>𝟖</m:t>
                               </m:r>
                             </m:sup>
                           </m:sSup>
@@ -10092,7 +10082,7 @@
             </p:txBody>
           </p:sp>
         </mc:Choice>
-        <mc:Fallback xmlns="">
+        <mc:Fallback>
           <p:sp>
             <p:nvSpPr>
               <p:cNvPr id="19" name="TextBox 18">
@@ -14643,8 +14633,8 @@
           </p:sp>
         </mc:Fallback>
       </mc:AlternateContent>
-      <mc:AlternateContent xmlns:mc="http://schemas.openxmlformats.org/markup-compatibility/2006">
-        <mc:Choice xmlns:a14="http://schemas.microsoft.com/office/drawing/2010/main" Requires="a14">
+      <mc:AlternateContent xmlns:mc="http://schemas.openxmlformats.org/markup-compatibility/2006" xmlns:a14="http://schemas.microsoft.com/office/drawing/2010/main">
+        <mc:Choice Requires="a14">
           <p:sp>
             <p:nvSpPr>
               <p:cNvPr id="15" name="TextBox 14">
@@ -14791,7 +14781,7 @@
             </p:txBody>
           </p:sp>
         </mc:Choice>
-        <mc:Fallback>
+        <mc:Fallback xmlns="">
           <p:sp>
             <p:nvSpPr>
               <p:cNvPr id="15" name="TextBox 14">
@@ -14836,8 +14826,8 @@
           </p:sp>
         </mc:Fallback>
       </mc:AlternateContent>
-      <mc:AlternateContent xmlns:mc="http://schemas.openxmlformats.org/markup-compatibility/2006">
-        <mc:Choice xmlns:a14="http://schemas.microsoft.com/office/drawing/2010/main" Requires="a14">
+      <mc:AlternateContent xmlns:mc="http://schemas.openxmlformats.org/markup-compatibility/2006" xmlns:a14="http://schemas.microsoft.com/office/drawing/2010/main">
+        <mc:Choice Requires="a14">
           <p:sp>
             <p:nvSpPr>
               <p:cNvPr id="18" name="TextBox 17">
@@ -14937,7 +14927,7 @@
             </p:txBody>
           </p:sp>
         </mc:Choice>
-        <mc:Fallback>
+        <mc:Fallback xmlns="">
           <p:sp>
             <p:nvSpPr>
               <p:cNvPr id="18" name="TextBox 17">
@@ -15681,8 +15671,8 @@
           </a:p>
         </p:txBody>
       </p:sp>
-      <mc:AlternateContent xmlns:mc="http://schemas.openxmlformats.org/markup-compatibility/2006">
-        <mc:Choice xmlns:a14="http://schemas.microsoft.com/office/drawing/2010/main" Requires="a14">
+      <mc:AlternateContent xmlns:mc="http://schemas.openxmlformats.org/markup-compatibility/2006" xmlns:a14="http://schemas.microsoft.com/office/drawing/2010/main">
+        <mc:Choice Requires="a14">
           <p:sp>
             <p:nvSpPr>
               <p:cNvPr id="11" name="TextBox 10">
@@ -15850,7 +15840,7 @@
             </p:txBody>
           </p:sp>
         </mc:Choice>
-        <mc:Fallback>
+        <mc:Fallback xmlns="">
           <p:sp>
             <p:nvSpPr>
               <p:cNvPr id="11" name="TextBox 10">

--- a/Slides/Baseball 2/Baseball_2_Lecture.pptx
+++ b/Slides/Baseball 2/Baseball_2_Lecture.pptx
@@ -208,7 +208,7 @@
           <a:p>
             <a:fld id="{C04E5E84-956F-4423-97B3-5936A6D8EEEE}" type="datetimeFigureOut">
               <a:rPr lang="en-US" smtClean="0"/>
-              <a:t>1/25/2023</a:t>
+              <a:t>1/31/2024</a:t>
             </a:fld>
             <a:endParaRPr lang="en-US"/>
           </a:p>
@@ -706,7 +706,7 @@
           <a:p>
             <a:fld id="{3881C039-66A3-4640-815B-3B5A8B7D868D}" type="datetimeFigureOut">
               <a:rPr lang="en-US" smtClean="0"/>
-              <a:t>1/25/2023</a:t>
+              <a:t>1/31/2024</a:t>
             </a:fld>
             <a:endParaRPr lang="en-US"/>
           </a:p>
@@ -904,7 +904,7 @@
           <a:p>
             <a:fld id="{3881C039-66A3-4640-815B-3B5A8B7D868D}" type="datetimeFigureOut">
               <a:rPr lang="en-US" smtClean="0"/>
-              <a:t>1/25/2023</a:t>
+              <a:t>1/31/2024</a:t>
             </a:fld>
             <a:endParaRPr lang="en-US"/>
           </a:p>
@@ -1112,7 +1112,7 @@
           <a:p>
             <a:fld id="{3881C039-66A3-4640-815B-3B5A8B7D868D}" type="datetimeFigureOut">
               <a:rPr lang="en-US" smtClean="0"/>
-              <a:t>1/25/2023</a:t>
+              <a:t>1/31/2024</a:t>
             </a:fld>
             <a:endParaRPr lang="en-US"/>
           </a:p>
@@ -1310,7 +1310,7 @@
           <a:p>
             <a:fld id="{3881C039-66A3-4640-815B-3B5A8B7D868D}" type="datetimeFigureOut">
               <a:rPr lang="en-US" smtClean="0"/>
-              <a:t>1/25/2023</a:t>
+              <a:t>1/31/2024</a:t>
             </a:fld>
             <a:endParaRPr lang="en-US"/>
           </a:p>
@@ -1585,7 +1585,7 @@
           <a:p>
             <a:fld id="{3881C039-66A3-4640-815B-3B5A8B7D868D}" type="datetimeFigureOut">
               <a:rPr lang="en-US" smtClean="0"/>
-              <a:t>1/25/2023</a:t>
+              <a:t>1/31/2024</a:t>
             </a:fld>
             <a:endParaRPr lang="en-US"/>
           </a:p>
@@ -1850,7 +1850,7 @@
           <a:p>
             <a:fld id="{3881C039-66A3-4640-815B-3B5A8B7D868D}" type="datetimeFigureOut">
               <a:rPr lang="en-US" smtClean="0"/>
-              <a:t>1/25/2023</a:t>
+              <a:t>1/31/2024</a:t>
             </a:fld>
             <a:endParaRPr lang="en-US"/>
           </a:p>
@@ -2262,7 +2262,7 @@
           <a:p>
             <a:fld id="{3881C039-66A3-4640-815B-3B5A8B7D868D}" type="datetimeFigureOut">
               <a:rPr lang="en-US" smtClean="0"/>
-              <a:t>1/25/2023</a:t>
+              <a:t>1/31/2024</a:t>
             </a:fld>
             <a:endParaRPr lang="en-US"/>
           </a:p>
@@ -2403,7 +2403,7 @@
           <a:p>
             <a:fld id="{3881C039-66A3-4640-815B-3B5A8B7D868D}" type="datetimeFigureOut">
               <a:rPr lang="en-US" smtClean="0"/>
-              <a:t>1/25/2023</a:t>
+              <a:t>1/31/2024</a:t>
             </a:fld>
             <a:endParaRPr lang="en-US"/>
           </a:p>
@@ -2516,7 +2516,7 @@
           <a:p>
             <a:fld id="{3881C039-66A3-4640-815B-3B5A8B7D868D}" type="datetimeFigureOut">
               <a:rPr lang="en-US" smtClean="0"/>
-              <a:t>1/25/2023</a:t>
+              <a:t>1/31/2024</a:t>
             </a:fld>
             <a:endParaRPr lang="en-US"/>
           </a:p>
@@ -2827,7 +2827,7 @@
           <a:p>
             <a:fld id="{3881C039-66A3-4640-815B-3B5A8B7D868D}" type="datetimeFigureOut">
               <a:rPr lang="en-US" smtClean="0"/>
-              <a:t>1/25/2023</a:t>
+              <a:t>1/31/2024</a:t>
             </a:fld>
             <a:endParaRPr lang="en-US"/>
           </a:p>
@@ -3115,7 +3115,7 @@
           <a:p>
             <a:fld id="{3881C039-66A3-4640-815B-3B5A8B7D868D}" type="datetimeFigureOut">
               <a:rPr lang="en-US" smtClean="0"/>
-              <a:t>1/25/2023</a:t>
+              <a:t>1/31/2024</a:t>
             </a:fld>
             <a:endParaRPr lang="en-US"/>
           </a:p>
@@ -3359,7 +3359,7 @@
           <a:p>
             <a:fld id="{3881C039-66A3-4640-815B-3B5A8B7D868D}" type="datetimeFigureOut">
               <a:rPr lang="en-US" smtClean="0"/>
-              <a:t>1/25/2023</a:t>
+              <a:t>1/31/2024</a:t>
             </a:fld>
             <a:endParaRPr lang="en-US"/>
           </a:p>
@@ -5031,11 +5031,11 @@
       </p:sp>
       <p:pic>
         <p:nvPicPr>
-          <p:cNvPr id="2" name="Online Media 1" title="Randy Johnson Kills Dove">
+          <p:cNvPr id="3" name="Online Media 2" title="Randy Johnson Hits Bird">
             <a:hlinkClick r:id="" action="ppaction://media"/>
             <a:extLst>
               <a:ext uri="{FF2B5EF4-FFF2-40B4-BE49-F238E27FC236}">
-                <a16:creationId xmlns:a16="http://schemas.microsoft.com/office/drawing/2014/main" id="{A0FA2468-D635-4309-835A-1339E606EEA6}"/>
+                <a16:creationId xmlns:a16="http://schemas.microsoft.com/office/drawing/2014/main" id="{88076E50-412D-E274-F54B-97870EBB2303}"/>
               </a:ext>
             </a:extLst>
           </p:cNvPr>
@@ -5054,30 +5054,13 @@
         </p:blipFill>
         <p:spPr>
           <a:xfrm>
-            <a:off x="3749611" y="1097978"/>
-            <a:ext cx="7541240" cy="5651823"/>
+            <a:off x="3814618" y="1115291"/>
+            <a:ext cx="7185891" cy="5389418"/>
           </a:xfrm>
           <a:prstGeom prst="rect">
             <a:avLst/>
           </a:prstGeom>
-          <a:ln>
-            <a:noFill/>
-          </a:ln>
         </p:spPr>
-        <p:style>
-          <a:lnRef idx="2">
-            <a:schemeClr val="dk1"/>
-          </a:lnRef>
-          <a:fillRef idx="1">
-            <a:schemeClr val="lt1"/>
-          </a:fillRef>
-          <a:effectRef idx="0">
-            <a:schemeClr val="dk1"/>
-          </a:effectRef>
-          <a:fontRef idx="minor">
-            <a:schemeClr val="dk1"/>
-          </a:fontRef>
-        </p:style>
       </p:pic>
     </p:spTree>
     <p:extLst>
@@ -5119,7 +5102,7 @@
                                       <p:cBhvr>
                                         <p:cTn id="6" dur="1" fill="hold"/>
                                         <p:tgtEl>
-                                          <p:spTgt spid="2"/>
+                                          <p:spTgt spid="3"/>
                                         </p:tgtEl>
                                       </p:cBhvr>
                                     </p:cmd>
@@ -5157,7 +5140,7 @@
                   </p:stCondLst>
                 </p:cTn>
                 <p:tgtEl>
-                  <p:spTgt spid="2"/>
+                  <p:spTgt spid="3"/>
                 </p:tgtEl>
               </p:cMediaNode>
             </p:video>
@@ -5166,7 +5149,7 @@
                 <p:stCondLst>
                   <p:cond evt="onClick" delay="0">
                     <p:tgtEl>
-                      <p:spTgt spid="2"/>
+                      <p:spTgt spid="3"/>
                     </p:tgtEl>
                   </p:cond>
                 </p:stCondLst>
@@ -5196,7 +5179,7 @@
                                       <p:cBhvr>
                                         <p:cTn id="12" dur="1" fill="hold"/>
                                         <p:tgtEl>
-                                          <p:spTgt spid="2"/>
+                                          <p:spTgt spid="3"/>
                                         </p:tgtEl>
                                       </p:cBhvr>
                                     </p:cmd>
@@ -5214,7 +5197,7 @@
               <p:nextCondLst>
                 <p:cond evt="onClick" delay="0">
                   <p:tgtEl>
-                    <p:spTgt spid="2"/>
+                    <p:spTgt spid="3"/>
                   </p:tgtEl>
                 </p:cond>
               </p:nextCondLst>
@@ -6107,13 +6090,13 @@
                       </m:sSupPr>
                       <m:e>
                         <m:r>
-                          <a:rPr lang="en-US" sz="2000" i="1">
+                          <a:rPr lang="en-US" sz="2000" b="0" i="1" smtClean="0">
                             <a:solidFill>
                               <a:schemeClr val="bg1"/>
                             </a:solidFill>
                             <a:latin typeface="Cambria Math" panose="02040503050406030204" pitchFamily="18" charset="0"/>
                           </a:rPr>
-                          <m:t>𝑎</m:t>
+                          <m:t>𝑐</m:t>
                         </m:r>
                       </m:e>
                       <m:sup>
@@ -6150,13 +6133,13 @@
                       </m:sSupPr>
                       <m:e>
                         <m:r>
-                          <a:rPr lang="en-US" sz="2000" i="1">
+                          <a:rPr lang="en-US" sz="2000" b="0" i="1" smtClean="0">
                             <a:solidFill>
                               <a:schemeClr val="bg1"/>
                             </a:solidFill>
                             <a:latin typeface="Cambria Math" panose="02040503050406030204" pitchFamily="18" charset="0"/>
                           </a:rPr>
-                          <m:t>𝑏</m:t>
+                          <m:t>𝑎</m:t>
                         </m:r>
                       </m:e>
                       <m:sup>
@@ -6193,13 +6176,13 @@
                       </m:sSupPr>
                       <m:e>
                         <m:r>
-                          <a:rPr lang="en-US" sz="2000" i="1">
+                          <a:rPr lang="en-US" sz="2000" b="0" i="1" smtClean="0">
                             <a:solidFill>
                               <a:schemeClr val="bg1"/>
                             </a:solidFill>
                             <a:latin typeface="Cambria Math" panose="02040503050406030204" pitchFamily="18" charset="0"/>
                           </a:rPr>
-                          <m:t>𝑐</m:t>
+                          <m:t>𝑏</m:t>
                         </m:r>
                       </m:e>
                       <m:sup>
@@ -9361,8 +9344,8 @@
           </a:p>
         </p:txBody>
       </p:sp>
-      <mc:AlternateContent xmlns:mc="http://schemas.openxmlformats.org/markup-compatibility/2006">
-        <mc:Choice xmlns:a14="http://schemas.microsoft.com/office/drawing/2010/main" Requires="a14">
+      <mc:AlternateContent xmlns:mc="http://schemas.openxmlformats.org/markup-compatibility/2006" xmlns:a14="http://schemas.microsoft.com/office/drawing/2010/main">
+        <mc:Choice Requires="a14">
           <p:sp>
             <p:nvSpPr>
               <p:cNvPr id="15" name="TextBox 14">
@@ -9690,7 +9673,7 @@
             </p:txBody>
           </p:sp>
         </mc:Choice>
-        <mc:Fallback>
+        <mc:Fallback xmlns="">
           <p:sp>
             <p:nvSpPr>
               <p:cNvPr id="15" name="TextBox 14">
@@ -9735,8 +9718,8 @@
           </p:sp>
         </mc:Fallback>
       </mc:AlternateContent>
-      <mc:AlternateContent xmlns:mc="http://schemas.openxmlformats.org/markup-compatibility/2006">
-        <mc:Choice xmlns:a14="http://schemas.microsoft.com/office/drawing/2010/main" Requires="a14">
+      <mc:AlternateContent xmlns:mc="http://schemas.openxmlformats.org/markup-compatibility/2006" xmlns:a14="http://schemas.microsoft.com/office/drawing/2010/main">
+        <mc:Choice Requires="a14">
           <p:sp>
             <p:nvSpPr>
               <p:cNvPr id="19" name="TextBox 18">
@@ -10082,7 +10065,7 @@
             </p:txBody>
           </p:sp>
         </mc:Choice>
-        <mc:Fallback>
+        <mc:Fallback xmlns="">
           <p:sp>
             <p:nvSpPr>
               <p:cNvPr id="19" name="TextBox 18">
@@ -12375,7 +12358,7 @@
         <p:spPr>
           <a:xfrm>
             <a:off x="3080083" y="1524088"/>
-            <a:ext cx="7568039" cy="4093428"/>
+            <a:ext cx="7568039" cy="3477875"/>
           </a:xfrm>
           <a:prstGeom prst="rect">
             <a:avLst/>
@@ -12429,44 +12412,8 @@
                 </a:solidFill>
                 <a:latin typeface="Selawik Semibold" panose="020B0702040204020203" pitchFamily="34" charset="0"/>
               </a:rPr>
-              <a:t>Formula for Mean Percentage Error:</a:t>
+              <a:t>Off by About 21 Runs on Average</a:t>
             </a:r>
-          </a:p>
-          <a:p>
-            <a:pPr marL="800100" lvl="1" indent="-342900">
-              <a:buFont typeface="Arial" panose="020B0604020202020204" pitchFamily="34" charset="0"/>
-              <a:buChar char="•"/>
-            </a:pPr>
-            <a:endParaRPr lang="en-US" sz="2000" dirty="0">
-              <a:solidFill>
-                <a:schemeClr val="bg1"/>
-              </a:solidFill>
-              <a:latin typeface="Selawik Semibold" panose="020B0702040204020203" pitchFamily="34" charset="0"/>
-            </a:endParaRPr>
-          </a:p>
-          <a:p>
-            <a:pPr marL="800100" lvl="1" indent="-342900">
-              <a:buFont typeface="Arial" panose="020B0604020202020204" pitchFamily="34" charset="0"/>
-              <a:buChar char="•"/>
-            </a:pPr>
-            <a:endParaRPr lang="en-US" sz="2000" dirty="0">
-              <a:solidFill>
-                <a:schemeClr val="bg1"/>
-              </a:solidFill>
-              <a:latin typeface="Selawik Semibold" panose="020B0702040204020203" pitchFamily="34" charset="0"/>
-            </a:endParaRPr>
-          </a:p>
-          <a:p>
-            <a:pPr marL="800100" lvl="1" indent="-342900">
-              <a:buFont typeface="Arial" panose="020B0604020202020204" pitchFamily="34" charset="0"/>
-              <a:buChar char="•"/>
-            </a:pPr>
-            <a:endParaRPr lang="en-US" sz="2000" dirty="0">
-              <a:solidFill>
-                <a:schemeClr val="bg1"/>
-              </a:solidFill>
-              <a:latin typeface="Selawik Semibold" panose="020B0702040204020203" pitchFamily="34" charset="0"/>
-            </a:endParaRPr>
           </a:p>
           <a:p>
             <a:pPr marL="800100" lvl="1" indent="-342900">
@@ -12480,7 +12427,22 @@
                 </a:solidFill>
                 <a:latin typeface="Selawik Semibold" panose="020B0702040204020203" pitchFamily="34" charset="0"/>
               </a:rPr>
-              <a:t>Based off Formula for RC, MPE = 3% (21 Runs)</a:t>
+              <a:t>Average Team Scored 693 Runs in a Season</a:t>
+            </a:r>
+          </a:p>
+          <a:p>
+            <a:pPr marL="800100" lvl="1" indent="-342900">
+              <a:buFont typeface="Arial" panose="020B0604020202020204" pitchFamily="34" charset="0"/>
+              <a:buChar char="•"/>
+            </a:pPr>
+            <a:r>
+              <a:rPr lang="en-US" sz="2000" dirty="0">
+                <a:solidFill>
+                  <a:schemeClr val="bg1"/>
+                </a:solidFill>
+                <a:latin typeface="Selawik Semibold" panose="020B0702040204020203" pitchFamily="34" charset="0"/>
+              </a:rPr>
+              <a:t>Error Measured as a Percentage is 3% (21/693)</a:t>
             </a:r>
           </a:p>
           <a:p>
@@ -12546,7 +12508,7 @@
                 </a:solidFill>
                 <a:latin typeface="Selawik Semibold" panose="020B0702040204020203" pitchFamily="34" charset="0"/>
               </a:rPr>
-              <a:t>Results</a:t>
+              <a:t>Results When Applied to Players</a:t>
             </a:r>
           </a:p>
         </p:txBody>
@@ -12625,370 +12587,6 @@
           </a:p>
         </p:txBody>
       </p:sp>
-      <mc:AlternateContent xmlns:mc="http://schemas.openxmlformats.org/markup-compatibility/2006" xmlns:a14="http://schemas.microsoft.com/office/drawing/2010/main">
-        <mc:Choice Requires="a14">
-          <p:sp>
-            <p:nvSpPr>
-              <p:cNvPr id="11" name="TextBox 10">
-                <a:extLst>
-                  <a:ext uri="{FF2B5EF4-FFF2-40B4-BE49-F238E27FC236}">
-                    <a16:creationId xmlns:a16="http://schemas.microsoft.com/office/drawing/2014/main" id="{7E510D35-E144-4B4F-9E8E-7B2C7BD470E4}"/>
-                  </a:ext>
-                </a:extLst>
-              </p:cNvPr>
-              <p:cNvSpPr txBox="1"/>
-              <p:nvPr/>
-            </p:nvSpPr>
-            <p:spPr>
-              <a:xfrm>
-                <a:off x="1862379" y="2501265"/>
-                <a:ext cx="7214761" cy="931217"/>
-              </a:xfrm>
-              <a:prstGeom prst="rect">
-                <a:avLst/>
-              </a:prstGeom>
-              <a:noFill/>
-            </p:spPr>
-            <p:txBody>
-              <a:bodyPr wrap="square" rtlCol="0">
-                <a:spAutoFit/>
-              </a:bodyPr>
-              <a:lstStyle/>
-              <a:p>
-                <a:pPr/>
-                <a14:m>
-                  <m:oMathPara xmlns:m="http://schemas.openxmlformats.org/officeDocument/2006/math">
-                    <m:oMathParaPr>
-                      <m:jc m:val="centerGroup"/>
-                    </m:oMathParaPr>
-                    <m:oMath xmlns:m="http://schemas.openxmlformats.org/officeDocument/2006/math">
-                      <m:r>
-                        <a:rPr lang="en-US" sz="2000" b="1" i="1" smtClean="0">
-                          <a:solidFill>
-                            <a:schemeClr val="bg1"/>
-                          </a:solidFill>
-                          <a:latin typeface="Cambria Math" panose="02040503050406030204" pitchFamily="18" charset="0"/>
-                        </a:rPr>
-                        <m:t>𝑴𝑷𝑬</m:t>
-                      </m:r>
-                      <m:r>
-                        <a:rPr lang="en-US" sz="2000" b="1" i="1" smtClean="0">
-                          <a:solidFill>
-                            <a:schemeClr val="bg1"/>
-                          </a:solidFill>
-                          <a:latin typeface="Cambria Math" panose="02040503050406030204" pitchFamily="18" charset="0"/>
-                        </a:rPr>
-                        <m:t>=</m:t>
-                      </m:r>
-                      <m:f>
-                        <m:fPr>
-                          <m:ctrlPr>
-                            <a:rPr lang="en-US" sz="2000" b="1" i="1" smtClean="0">
-                              <a:solidFill>
-                                <a:schemeClr val="bg1"/>
-                              </a:solidFill>
-                              <a:latin typeface="Cambria Math" panose="02040503050406030204" pitchFamily="18" charset="0"/>
-                            </a:rPr>
-                          </m:ctrlPr>
-                        </m:fPr>
-                        <m:num>
-                          <m:r>
-                            <a:rPr lang="en-US" sz="2000" b="1" i="1">
-                              <a:solidFill>
-                                <a:schemeClr val="bg1"/>
-                              </a:solidFill>
-                              <a:latin typeface="Cambria Math" panose="02040503050406030204" pitchFamily="18" charset="0"/>
-                            </a:rPr>
-                            <m:t>𝟏𝟎𝟎</m:t>
-                          </m:r>
-                          <m:r>
-                            <a:rPr lang="en-US" sz="2000" b="1" i="1">
-                              <a:solidFill>
-                                <a:schemeClr val="bg1"/>
-                              </a:solidFill>
-                              <a:latin typeface="Cambria Math" panose="02040503050406030204" pitchFamily="18" charset="0"/>
-                            </a:rPr>
-                            <m:t>%</m:t>
-                          </m:r>
-                        </m:num>
-                        <m:den>
-                          <m:r>
-                            <a:rPr lang="en-US" sz="2000" b="1" i="1" smtClean="0">
-                              <a:solidFill>
-                                <a:schemeClr val="bg1"/>
-                              </a:solidFill>
-                              <a:latin typeface="Cambria Math" panose="02040503050406030204" pitchFamily="18" charset="0"/>
-                            </a:rPr>
-                            <m:t>𝒏</m:t>
-                          </m:r>
-                        </m:den>
-                      </m:f>
-                      <m:r>
-                        <a:rPr lang="en-US" sz="2000" b="1" i="1">
-                          <a:solidFill>
-                            <a:schemeClr val="bg1"/>
-                          </a:solidFill>
-                          <a:latin typeface="Cambria Math" panose="02040503050406030204" pitchFamily="18" charset="0"/>
-                        </a:rPr>
-                        <m:t>×</m:t>
-                      </m:r>
-                      <m:nary>
-                        <m:naryPr>
-                          <m:chr m:val="∑"/>
-                          <m:ctrlPr>
-                            <a:rPr lang="en-US" sz="2000" b="1" i="1" smtClean="0">
-                              <a:solidFill>
-                                <a:schemeClr val="bg1"/>
-                              </a:solidFill>
-                              <a:latin typeface="Cambria Math" panose="02040503050406030204" pitchFamily="18" charset="0"/>
-                            </a:rPr>
-                          </m:ctrlPr>
-                        </m:naryPr>
-                        <m:sub>
-                          <m:r>
-                            <m:rPr>
-                              <m:brk m:alnAt="23"/>
-                            </m:rPr>
-                            <a:rPr lang="en-US" sz="2000" b="1" i="1" smtClean="0">
-                              <a:solidFill>
-                                <a:schemeClr val="bg1"/>
-                              </a:solidFill>
-                              <a:latin typeface="Cambria Math" panose="02040503050406030204" pitchFamily="18" charset="0"/>
-                            </a:rPr>
-                            <m:t>𝒊</m:t>
-                          </m:r>
-                          <m:r>
-                            <a:rPr lang="en-US" sz="2000" b="1" i="1" smtClean="0">
-                              <a:solidFill>
-                                <a:schemeClr val="bg1"/>
-                              </a:solidFill>
-                              <a:latin typeface="Cambria Math" panose="02040503050406030204" pitchFamily="18" charset="0"/>
-                            </a:rPr>
-                            <m:t>=</m:t>
-                          </m:r>
-                          <m:r>
-                            <a:rPr lang="en-US" sz="2000" b="1" i="1" smtClean="0">
-                              <a:solidFill>
-                                <a:schemeClr val="bg1"/>
-                              </a:solidFill>
-                              <a:latin typeface="Cambria Math" panose="02040503050406030204" pitchFamily="18" charset="0"/>
-                            </a:rPr>
-                            <m:t>𝟏</m:t>
-                          </m:r>
-                        </m:sub>
-                        <m:sup>
-                          <m:r>
-                            <a:rPr lang="en-US" sz="2000" b="1" i="1" smtClean="0">
-                              <a:solidFill>
-                                <a:schemeClr val="bg1"/>
-                              </a:solidFill>
-                              <a:latin typeface="Cambria Math" panose="02040503050406030204" pitchFamily="18" charset="0"/>
-                            </a:rPr>
-                            <m:t>𝒏</m:t>
-                          </m:r>
-                        </m:sup>
-                        <m:e>
-                          <m:f>
-                            <m:fPr>
-                              <m:ctrlPr>
-                                <a:rPr lang="en-US" sz="2000" b="1" i="1">
-                                  <a:solidFill>
-                                    <a:schemeClr val="bg1"/>
-                                  </a:solidFill>
-                                  <a:latin typeface="Cambria Math" panose="02040503050406030204" pitchFamily="18" charset="0"/>
-                                </a:rPr>
-                              </m:ctrlPr>
-                            </m:fPr>
-                            <m:num>
-                              <m:sSub>
-                                <m:sSubPr>
-                                  <m:ctrlPr>
-                                    <a:rPr lang="en-US" sz="2000" b="1" i="1">
-                                      <a:solidFill>
-                                        <a:schemeClr val="bg1"/>
-                                      </a:solidFill>
-                                      <a:latin typeface="Cambria Math" panose="02040503050406030204" pitchFamily="18" charset="0"/>
-                                    </a:rPr>
-                                  </m:ctrlPr>
-                                </m:sSubPr>
-                                <m:e>
-                                  <m:r>
-                                    <a:rPr lang="en-US" sz="2000" b="1" i="1">
-                                      <a:solidFill>
-                                        <a:schemeClr val="bg1"/>
-                                      </a:solidFill>
-                                      <a:latin typeface="Cambria Math" panose="02040503050406030204" pitchFamily="18" charset="0"/>
-                                    </a:rPr>
-                                    <m:t>𝒚</m:t>
-                                  </m:r>
-                                </m:e>
-                                <m:sub>
-                                  <m:r>
-                                    <a:rPr lang="en-US" sz="2000" b="1" i="1">
-                                      <a:solidFill>
-                                        <a:schemeClr val="bg1"/>
-                                      </a:solidFill>
-                                      <a:latin typeface="Cambria Math" panose="02040503050406030204" pitchFamily="18" charset="0"/>
-                                    </a:rPr>
-                                    <m:t>𝒊</m:t>
-                                  </m:r>
-                                </m:sub>
-                              </m:sSub>
-                              <m:r>
-                                <a:rPr lang="en-US" sz="2000" b="1" i="1">
-                                  <a:solidFill>
-                                    <a:schemeClr val="bg1"/>
-                                  </a:solidFill>
-                                  <a:latin typeface="Cambria Math" panose="02040503050406030204" pitchFamily="18" charset="0"/>
-                                </a:rPr>
-                                <m:t>−</m:t>
-                              </m:r>
-                              <m:acc>
-                                <m:accPr>
-                                  <m:chr m:val="̂"/>
-                                  <m:ctrlPr>
-                                    <a:rPr lang="en-US" sz="2000" b="1" i="1">
-                                      <a:solidFill>
-                                        <a:schemeClr val="bg1"/>
-                                      </a:solidFill>
-                                      <a:latin typeface="Cambria Math" panose="02040503050406030204" pitchFamily="18" charset="0"/>
-                                    </a:rPr>
-                                  </m:ctrlPr>
-                                </m:accPr>
-                                <m:e>
-                                  <m:sSub>
-                                    <m:sSubPr>
-                                      <m:ctrlPr>
-                                        <a:rPr lang="en-US" sz="2000" b="1" i="1">
-                                          <a:solidFill>
-                                            <a:schemeClr val="bg1"/>
-                                          </a:solidFill>
-                                          <a:latin typeface="Cambria Math" panose="02040503050406030204" pitchFamily="18" charset="0"/>
-                                        </a:rPr>
-                                      </m:ctrlPr>
-                                    </m:sSubPr>
-                                    <m:e>
-                                      <m:r>
-                                        <a:rPr lang="en-US" sz="2000" b="1" i="1">
-                                          <a:solidFill>
-                                            <a:schemeClr val="bg1"/>
-                                          </a:solidFill>
-                                          <a:latin typeface="Cambria Math" panose="02040503050406030204" pitchFamily="18" charset="0"/>
-                                        </a:rPr>
-                                        <m:t>𝒚</m:t>
-                                      </m:r>
-                                    </m:e>
-                                    <m:sub>
-                                      <m:r>
-                                        <a:rPr lang="en-US" sz="2000" b="1" i="1">
-                                          <a:solidFill>
-                                            <a:schemeClr val="bg1"/>
-                                          </a:solidFill>
-                                          <a:latin typeface="Cambria Math" panose="02040503050406030204" pitchFamily="18" charset="0"/>
-                                        </a:rPr>
-                                        <m:t>𝒊</m:t>
-                                      </m:r>
-                                    </m:sub>
-                                  </m:sSub>
-                                </m:e>
-                              </m:acc>
-                            </m:num>
-                            <m:den>
-                              <m:sSub>
-                                <m:sSubPr>
-                                  <m:ctrlPr>
-                                    <a:rPr lang="en-US" sz="2000" b="1" i="1" smtClean="0">
-                                      <a:solidFill>
-                                        <a:schemeClr val="bg1"/>
-                                      </a:solidFill>
-                                      <a:latin typeface="Cambria Math" panose="02040503050406030204" pitchFamily="18" charset="0"/>
-                                    </a:rPr>
-                                  </m:ctrlPr>
-                                </m:sSubPr>
-                                <m:e>
-                                  <m:r>
-                                    <a:rPr lang="en-US" sz="2000" b="1" i="1" smtClean="0">
-                                      <a:solidFill>
-                                        <a:schemeClr val="bg1"/>
-                                      </a:solidFill>
-                                      <a:latin typeface="Cambria Math" panose="02040503050406030204" pitchFamily="18" charset="0"/>
-                                    </a:rPr>
-                                    <m:t>𝒚</m:t>
-                                  </m:r>
-                                </m:e>
-                                <m:sub>
-                                  <m:r>
-                                    <a:rPr lang="en-US" sz="2000" b="1" i="1" smtClean="0">
-                                      <a:solidFill>
-                                        <a:schemeClr val="bg1"/>
-                                      </a:solidFill>
-                                      <a:latin typeface="Cambria Math" panose="02040503050406030204" pitchFamily="18" charset="0"/>
-                                    </a:rPr>
-                                    <m:t>𝒊</m:t>
-                                  </m:r>
-                                </m:sub>
-                              </m:sSub>
-                            </m:den>
-                          </m:f>
-                        </m:e>
-                      </m:nary>
-                    </m:oMath>
-                  </m:oMathPara>
-                </a14:m>
-                <a:endParaRPr lang="en-US" sz="2000" b="1" dirty="0">
-                  <a:solidFill>
-                    <a:schemeClr val="bg1"/>
-                  </a:solidFill>
-                </a:endParaRPr>
-              </a:p>
-            </p:txBody>
-          </p:sp>
-        </mc:Choice>
-        <mc:Fallback xmlns="">
-          <p:sp>
-            <p:nvSpPr>
-              <p:cNvPr id="11" name="TextBox 10">
-                <a:extLst>
-                  <a:ext uri="{FF2B5EF4-FFF2-40B4-BE49-F238E27FC236}">
-                    <a16:creationId xmlns:a16="http://schemas.microsoft.com/office/drawing/2014/main" id="{7E510D35-E144-4B4F-9E8E-7B2C7BD470E4}"/>
-                  </a:ext>
-                </a:extLst>
-              </p:cNvPr>
-              <p:cNvSpPr txBox="1">
-                <a:spLocks noRot="1" noChangeAspect="1" noMove="1" noResize="1" noEditPoints="1" noAdjustHandles="1" noChangeArrowheads="1" noChangeShapeType="1" noTextEdit="1"/>
-              </p:cNvSpPr>
-              <p:nvPr/>
-            </p:nvSpPr>
-            <p:spPr>
-              <a:xfrm>
-                <a:off x="1862379" y="2501265"/>
-                <a:ext cx="7214761" cy="931217"/>
-              </a:xfrm>
-              <a:prstGeom prst="rect">
-                <a:avLst/>
-              </a:prstGeom>
-              <a:blipFill>
-                <a:blip r:embed="rId5"/>
-                <a:stretch>
-                  <a:fillRect/>
-                </a:stretch>
-              </a:blipFill>
-            </p:spPr>
-            <p:txBody>
-              <a:bodyPr/>
-              <a:lstStyle/>
-              <a:p>
-                <a:r>
-                  <a:rPr lang="en-US">
-                    <a:noFill/>
-                  </a:rPr>
-                  <a:t> </a:t>
-                </a:r>
-              </a:p>
-            </p:txBody>
-          </p:sp>
-        </mc:Fallback>
-      </mc:AlternateContent>
       <p:cxnSp>
         <p:nvCxnSpPr>
           <p:cNvPr id="4" name="Straight Connector 3">
@@ -13087,7 +12685,7 @@
         </p:nvSpPr>
         <p:spPr>
           <a:xfrm>
-            <a:off x="3518452" y="4583285"/>
+            <a:off x="3637722" y="3950505"/>
             <a:ext cx="2577548" cy="369332"/>
           </a:xfrm>
           <a:prstGeom prst="rect">
@@ -13138,7 +12736,7 @@
         </p:nvSpPr>
         <p:spPr>
           <a:xfrm>
-            <a:off x="6215270" y="4591316"/>
+            <a:off x="6406902" y="3957277"/>
             <a:ext cx="914400" cy="369332"/>
           </a:xfrm>
           <a:prstGeom prst="rightArrow">
@@ -13184,7 +12782,7 @@
         </p:nvSpPr>
         <p:spPr>
           <a:xfrm>
-            <a:off x="7248940" y="4598088"/>
+            <a:off x="7450861" y="3950505"/>
             <a:ext cx="1961669" cy="369332"/>
           </a:xfrm>
           <a:prstGeom prst="rect">
@@ -13236,13 +12834,13 @@
           <p:nvPr>
             <p:extLst>
               <p:ext uri="{D42A27DB-BD31-4B8C-83A1-F6EECF244321}">
-                <p14:modId xmlns:p14="http://schemas.microsoft.com/office/powerpoint/2010/main" val="3546222152"/>
+                <p14:modId xmlns:p14="http://schemas.microsoft.com/office/powerpoint/2010/main" val="3918286254"/>
               </p:ext>
             </p:extLst>
           </p:nvPr>
         </p:nvGraphicFramePr>
         <p:xfrm>
-          <a:off x="4698842" y="5305279"/>
+          <a:off x="4832829" y="5104726"/>
           <a:ext cx="4958522" cy="1463040"/>
         </p:xfrm>
         <a:graphic>

--- a/Slides/Baseball 2/Baseball_2_Lecture.pptx
+++ b/Slides/Baseball 2/Baseball_2_Lecture.pptx
@@ -208,7 +208,7 @@
           <a:p>
             <a:fld id="{C04E5E84-956F-4423-97B3-5936A6D8EEEE}" type="datetimeFigureOut">
               <a:rPr lang="en-US" smtClean="0"/>
-              <a:t>1/31/2024</a:t>
+              <a:t>9/11/2025</a:t>
             </a:fld>
             <a:endParaRPr lang="en-US"/>
           </a:p>
@@ -706,7 +706,7 @@
           <a:p>
             <a:fld id="{3881C039-66A3-4640-815B-3B5A8B7D868D}" type="datetimeFigureOut">
               <a:rPr lang="en-US" smtClean="0"/>
-              <a:t>1/31/2024</a:t>
+              <a:t>9/11/2025</a:t>
             </a:fld>
             <a:endParaRPr lang="en-US"/>
           </a:p>
@@ -904,7 +904,7 @@
           <a:p>
             <a:fld id="{3881C039-66A3-4640-815B-3B5A8B7D868D}" type="datetimeFigureOut">
               <a:rPr lang="en-US" smtClean="0"/>
-              <a:t>1/31/2024</a:t>
+              <a:t>9/11/2025</a:t>
             </a:fld>
             <a:endParaRPr lang="en-US"/>
           </a:p>
@@ -1112,7 +1112,7 @@
           <a:p>
             <a:fld id="{3881C039-66A3-4640-815B-3B5A8B7D868D}" type="datetimeFigureOut">
               <a:rPr lang="en-US" smtClean="0"/>
-              <a:t>1/31/2024</a:t>
+              <a:t>9/11/2025</a:t>
             </a:fld>
             <a:endParaRPr lang="en-US"/>
           </a:p>
@@ -1310,7 +1310,7 @@
           <a:p>
             <a:fld id="{3881C039-66A3-4640-815B-3B5A8B7D868D}" type="datetimeFigureOut">
               <a:rPr lang="en-US" smtClean="0"/>
-              <a:t>1/31/2024</a:t>
+              <a:t>9/11/2025</a:t>
             </a:fld>
             <a:endParaRPr lang="en-US"/>
           </a:p>
@@ -1585,7 +1585,7 @@
           <a:p>
             <a:fld id="{3881C039-66A3-4640-815B-3B5A8B7D868D}" type="datetimeFigureOut">
               <a:rPr lang="en-US" smtClean="0"/>
-              <a:t>1/31/2024</a:t>
+              <a:t>9/11/2025</a:t>
             </a:fld>
             <a:endParaRPr lang="en-US"/>
           </a:p>
@@ -1850,7 +1850,7 @@
           <a:p>
             <a:fld id="{3881C039-66A3-4640-815B-3B5A8B7D868D}" type="datetimeFigureOut">
               <a:rPr lang="en-US" smtClean="0"/>
-              <a:t>1/31/2024</a:t>
+              <a:t>9/11/2025</a:t>
             </a:fld>
             <a:endParaRPr lang="en-US"/>
           </a:p>
@@ -2262,7 +2262,7 @@
           <a:p>
             <a:fld id="{3881C039-66A3-4640-815B-3B5A8B7D868D}" type="datetimeFigureOut">
               <a:rPr lang="en-US" smtClean="0"/>
-              <a:t>1/31/2024</a:t>
+              <a:t>9/11/2025</a:t>
             </a:fld>
             <a:endParaRPr lang="en-US"/>
           </a:p>
@@ -2403,7 +2403,7 @@
           <a:p>
             <a:fld id="{3881C039-66A3-4640-815B-3B5A8B7D868D}" type="datetimeFigureOut">
               <a:rPr lang="en-US" smtClean="0"/>
-              <a:t>1/31/2024</a:t>
+              <a:t>9/11/2025</a:t>
             </a:fld>
             <a:endParaRPr lang="en-US"/>
           </a:p>
@@ -2516,7 +2516,7 @@
           <a:p>
             <a:fld id="{3881C039-66A3-4640-815B-3B5A8B7D868D}" type="datetimeFigureOut">
               <a:rPr lang="en-US" smtClean="0"/>
-              <a:t>1/31/2024</a:t>
+              <a:t>9/11/2025</a:t>
             </a:fld>
             <a:endParaRPr lang="en-US"/>
           </a:p>
@@ -2827,7 +2827,7 @@
           <a:p>
             <a:fld id="{3881C039-66A3-4640-815B-3B5A8B7D868D}" type="datetimeFigureOut">
               <a:rPr lang="en-US" smtClean="0"/>
-              <a:t>1/31/2024</a:t>
+              <a:t>9/11/2025</a:t>
             </a:fld>
             <a:endParaRPr lang="en-US"/>
           </a:p>
@@ -3115,7 +3115,7 @@
           <a:p>
             <a:fld id="{3881C039-66A3-4640-815B-3B5A8B7D868D}" type="datetimeFigureOut">
               <a:rPr lang="en-US" smtClean="0"/>
-              <a:t>1/31/2024</a:t>
+              <a:t>9/11/2025</a:t>
             </a:fld>
             <a:endParaRPr lang="en-US"/>
           </a:p>
@@ -3359,7 +3359,7 @@
           <a:p>
             <a:fld id="{3881C039-66A3-4640-815B-3B5A8B7D868D}" type="datetimeFigureOut">
               <a:rPr lang="en-US" smtClean="0"/>
-              <a:t>1/31/2024</a:t>
+              <a:t>9/11/2025</a:t>
             </a:fld>
             <a:endParaRPr lang="en-US"/>
           </a:p>
